--- a/ClassMaterials/Week5/Agent Mode.pptx
+++ b/ClassMaterials/Week5/Agent Mode.pptx
@@ -5,7 +5,7 @@
     <p:sldMasterId id="2147483648" r:id="rId1"/>
   </p:sldMasterIdLst>
   <p:notesMasterIdLst>
-    <p:notesMasterId r:id="rId20"/>
+    <p:notesMasterId r:id="rId23"/>
   </p:notesMasterIdLst>
   <p:sldIdLst>
     <p:sldId id="262" r:id="rId2"/>
@@ -14,18 +14,21 @@
     <p:sldId id="265" r:id="rId5"/>
     <p:sldId id="277" r:id="rId6"/>
     <p:sldId id="266" r:id="rId7"/>
-    <p:sldId id="267" r:id="rId8"/>
-    <p:sldId id="257" r:id="rId9"/>
-    <p:sldId id="272" r:id="rId10"/>
-    <p:sldId id="269" r:id="rId11"/>
-    <p:sldId id="270" r:id="rId12"/>
-    <p:sldId id="268" r:id="rId13"/>
-    <p:sldId id="274" r:id="rId14"/>
-    <p:sldId id="276" r:id="rId15"/>
-    <p:sldId id="264" r:id="rId16"/>
-    <p:sldId id="261" r:id="rId17"/>
-    <p:sldId id="273" r:id="rId18"/>
-    <p:sldId id="275" r:id="rId19"/>
+    <p:sldId id="282" r:id="rId8"/>
+    <p:sldId id="267" r:id="rId9"/>
+    <p:sldId id="257" r:id="rId10"/>
+    <p:sldId id="272" r:id="rId11"/>
+    <p:sldId id="269" r:id="rId12"/>
+    <p:sldId id="270" r:id="rId13"/>
+    <p:sldId id="268" r:id="rId14"/>
+    <p:sldId id="274" r:id="rId15"/>
+    <p:sldId id="276" r:id="rId16"/>
+    <p:sldId id="280" r:id="rId17"/>
+    <p:sldId id="264" r:id="rId18"/>
+    <p:sldId id="261" r:id="rId19"/>
+    <p:sldId id="273" r:id="rId20"/>
+    <p:sldId id="275" r:id="rId21"/>
+    <p:sldId id="278" r:id="rId22"/>
   </p:sldIdLst>
   <p:sldSz cx="12192000" cy="6858000"/>
   <p:notesSz cx="6858000" cy="9144000"/>
@@ -574,7 +577,7 @@
           <a:p>
             <a:fld id="{89DD2ADE-AB50-4586-8D7B-BE0282063055}" type="slidenum">
               <a:rPr lang="en-US" smtClean="0"/>
-              <a:t>13</a:t>
+              <a:t>14</a:t>
             </a:fld>
             <a:endParaRPr lang="en-US"/>
           </a:p>
@@ -658,7 +661,7 @@
           <a:p>
             <a:fld id="{89DD2ADE-AB50-4586-8D7B-BE0282063055}" type="slidenum">
               <a:rPr lang="en-US" smtClean="0"/>
-              <a:t>16</a:t>
+              <a:t>18</a:t>
             </a:fld>
             <a:endParaRPr lang="en-US"/>
           </a:p>
@@ -3953,10 +3956,10 @@
       </p:grpSpPr>
       <p:sp>
         <p:nvSpPr>
-          <p:cNvPr id="4" name="Title 3">
-            <a:extLst>
-              <a:ext uri="{FF2B5EF4-FFF2-40B4-BE49-F238E27FC236}">
-                <a16:creationId xmlns:a16="http://schemas.microsoft.com/office/drawing/2014/main" id="{14E032CB-BE49-1D96-20C1-4E4BA3DF8C1D}"/>
+          <p:cNvPr id="2" name="Title 1">
+            <a:extLst>
+              <a:ext uri="{FF2B5EF4-FFF2-40B4-BE49-F238E27FC236}">
+                <a16:creationId xmlns:a16="http://schemas.microsoft.com/office/drawing/2014/main" id="{64482C03-0A16-2A38-CCC6-37922FA0462F}"/>
               </a:ext>
             </a:extLst>
           </p:cNvPr>
@@ -3973,107 +3976,40 @@
           <a:lstStyle/>
           <a:p>
             <a:r>
-              <a:rPr lang="en-US" u="sng" dirty="0"/>
-              <a:t>All</a:t>
-            </a:r>
-            <a:r>
               <a:rPr lang="en-US" dirty="0"/>
-              <a:t> IDEs are powered by the </a:t>
-            </a:r>
-            <a:r>
-              <a:rPr lang="en-US" b="1" u="sng" dirty="0"/>
-              <a:t>same LLMs</a:t>
-            </a:r>
-            <a:r>
-              <a:rPr lang="en-US" dirty="0"/>
-              <a:t>.</a:t>
-            </a:r>
-          </a:p>
-        </p:txBody>
-      </p:sp>
-      <p:pic>
-        <p:nvPicPr>
-          <p:cNvPr id="7" name="Content Placeholder 6" descr="A screenshot of a computer program&#10;&#10;AI-generated content may be incorrect.">
-            <a:extLst>
-              <a:ext uri="{FF2B5EF4-FFF2-40B4-BE49-F238E27FC236}">
-                <a16:creationId xmlns:a16="http://schemas.microsoft.com/office/drawing/2014/main" id="{7DBCC4F7-02B8-8C7E-D4F6-55E5C7F21DF0}"/>
-              </a:ext>
-            </a:extLst>
-          </p:cNvPr>
-          <p:cNvPicPr>
-            <a:picLocks noGrp="1" noChangeAspect="1"/>
-          </p:cNvPicPr>
+              <a:t>Does it matter what IDE you use?</a:t>
+            </a:r>
+          </a:p>
+        </p:txBody>
+      </p:sp>
+      <p:sp>
+        <p:nvSpPr>
+          <p:cNvPr id="3" name="Text Placeholder 2">
+            <a:extLst>
+              <a:ext uri="{FF2B5EF4-FFF2-40B4-BE49-F238E27FC236}">
+                <a16:creationId xmlns:a16="http://schemas.microsoft.com/office/drawing/2014/main" id="{DD268581-CFB5-B983-70DD-CC4D69B33B4D}"/>
+              </a:ext>
+            </a:extLst>
+          </p:cNvPr>
+          <p:cNvSpPr>
+            <a:spLocks noGrp="1"/>
+          </p:cNvSpPr>
           <p:nvPr>
-            <p:ph idx="1"/>
+            <p:ph type="body" idx="1"/>
           </p:nvPr>
-        </p:nvPicPr>
-        <p:blipFill>
-          <a:blip r:embed="rId2">
-            <a:extLst>
-              <a:ext uri="{28A0092B-C50C-407E-A947-70E740481C1C}">
-                <a14:useLocalDpi xmlns:a14="http://schemas.microsoft.com/office/drawing/2010/main" val="0"/>
-              </a:ext>
-            </a:extLst>
-          </a:blip>
-          <a:stretch>
-            <a:fillRect/>
-          </a:stretch>
-        </p:blipFill>
-        <p:spPr>
-          <a:xfrm>
-            <a:off x="3159466" y="1479260"/>
-            <a:ext cx="6601746" cy="4143953"/>
-          </a:xfrm>
-        </p:spPr>
-      </p:pic>
-      <p:sp>
-        <p:nvSpPr>
-          <p:cNvPr id="8" name="TextBox 7">
-            <a:extLst>
-              <a:ext uri="{FF2B5EF4-FFF2-40B4-BE49-F238E27FC236}">
-                <a16:creationId xmlns:a16="http://schemas.microsoft.com/office/drawing/2014/main" id="{3D6CEF34-2D83-608E-3801-87D7A2B7C0F8}"/>
-              </a:ext>
-            </a:extLst>
-          </p:cNvPr>
-          <p:cNvSpPr txBox="1"/>
-          <p:nvPr/>
-        </p:nvSpPr>
-        <p:spPr>
-          <a:xfrm>
-            <a:off x="2084944" y="5846544"/>
-            <a:ext cx="8750793" cy="461665"/>
-          </a:xfrm>
-          <a:prstGeom prst="rect">
-            <a:avLst/>
-          </a:prstGeom>
-          <a:noFill/>
-        </p:spPr>
-        <p:txBody>
-          <a:bodyPr wrap="none" rtlCol="0">
-            <a:spAutoFit/>
-          </a:bodyPr>
-          <a:lstStyle/>
-          <a:p>
-            <a:pPr algn="ctr"/>
-            <a:r>
-              <a:rPr lang="en-US" sz="2400" dirty="0"/>
-              <a:t>Your</a:t>
-            </a:r>
-            <a:r>
-              <a:rPr lang="en-US" sz="2400" b="1" dirty="0"/>
-              <a:t> </a:t>
-            </a:r>
-            <a:r>
-              <a:rPr lang="en-US" sz="2400" dirty="0"/>
-              <a:t>choice of LLM overwhelmingly</a:t>
-            </a:r>
-            <a:r>
-              <a:rPr lang="en-US" sz="2400" i="1" dirty="0"/>
-              <a:t> </a:t>
-            </a:r>
-            <a:r>
-              <a:rPr lang="en-US" sz="2400" dirty="0"/>
-              <a:t>determines the performance.</a:t>
+        </p:nvSpPr>
+        <p:spPr/>
+        <p:txBody>
+          <a:bodyPr/>
+          <a:lstStyle/>
+          <a:p>
+            <a:r>
+              <a:rPr lang="en-US" dirty="0">
+                <a:solidFill>
+                  <a:schemeClr val="tx1"/>
+                </a:solidFill>
+              </a:rPr>
+              <a:t>In my experience: very little…</a:t>
             </a:r>
           </a:p>
         </p:txBody>
@@ -4081,7 +4017,7 @@
     </p:spTree>
     <p:extLst>
       <p:ext uri="{BB962C8B-B14F-4D97-AF65-F5344CB8AC3E}">
-        <p14:creationId xmlns:p14="http://schemas.microsoft.com/office/powerpoint/2010/main" val="3795302431"/>
+        <p14:creationId xmlns:p14="http://schemas.microsoft.com/office/powerpoint/2010/main" val="376381817"/>
       </p:ext>
     </p:extLst>
   </p:cSld>
@@ -4110,6 +4046,167 @@
       </p:grpSpPr>
       <p:sp>
         <p:nvSpPr>
+          <p:cNvPr id="4" name="Title 3">
+            <a:extLst>
+              <a:ext uri="{FF2B5EF4-FFF2-40B4-BE49-F238E27FC236}">
+                <a16:creationId xmlns:a16="http://schemas.microsoft.com/office/drawing/2014/main" id="{14E032CB-BE49-1D96-20C1-4E4BA3DF8C1D}"/>
+              </a:ext>
+            </a:extLst>
+          </p:cNvPr>
+          <p:cNvSpPr>
+            <a:spLocks noGrp="1"/>
+          </p:cNvSpPr>
+          <p:nvPr>
+            <p:ph type="title"/>
+          </p:nvPr>
+        </p:nvSpPr>
+        <p:spPr/>
+        <p:txBody>
+          <a:bodyPr/>
+          <a:lstStyle/>
+          <a:p>
+            <a:r>
+              <a:rPr lang="en-US" u="sng" dirty="0"/>
+              <a:t>All</a:t>
+            </a:r>
+            <a:r>
+              <a:rPr lang="en-US" dirty="0"/>
+              <a:t> IDEs are powered by the </a:t>
+            </a:r>
+            <a:r>
+              <a:rPr lang="en-US" b="1" u="sng" dirty="0"/>
+              <a:t>same LLMs</a:t>
+            </a:r>
+            <a:r>
+              <a:rPr lang="en-US" dirty="0"/>
+              <a:t>.</a:t>
+            </a:r>
+          </a:p>
+        </p:txBody>
+      </p:sp>
+      <p:pic>
+        <p:nvPicPr>
+          <p:cNvPr id="7" name="Content Placeholder 6" descr="A screenshot of a computer program&#10;&#10;AI-generated content may be incorrect.">
+            <a:extLst>
+              <a:ext uri="{FF2B5EF4-FFF2-40B4-BE49-F238E27FC236}">
+                <a16:creationId xmlns:a16="http://schemas.microsoft.com/office/drawing/2014/main" id="{7DBCC4F7-02B8-8C7E-D4F6-55E5C7F21DF0}"/>
+              </a:ext>
+            </a:extLst>
+          </p:cNvPr>
+          <p:cNvPicPr>
+            <a:picLocks noGrp="1" noChangeAspect="1"/>
+          </p:cNvPicPr>
+          <p:nvPr>
+            <p:ph idx="1"/>
+          </p:nvPr>
+        </p:nvPicPr>
+        <p:blipFill>
+          <a:blip r:embed="rId2">
+            <a:extLst>
+              <a:ext uri="{28A0092B-C50C-407E-A947-70E740481C1C}">
+                <a14:useLocalDpi xmlns:a14="http://schemas.microsoft.com/office/drawing/2010/main" val="0"/>
+              </a:ext>
+            </a:extLst>
+          </a:blip>
+          <a:stretch>
+            <a:fillRect/>
+          </a:stretch>
+        </p:blipFill>
+        <p:spPr>
+          <a:xfrm>
+            <a:off x="3159466" y="1479260"/>
+            <a:ext cx="6601746" cy="4143953"/>
+          </a:xfrm>
+        </p:spPr>
+      </p:pic>
+      <p:sp>
+        <p:nvSpPr>
+          <p:cNvPr id="8" name="TextBox 7">
+            <a:extLst>
+              <a:ext uri="{FF2B5EF4-FFF2-40B4-BE49-F238E27FC236}">
+                <a16:creationId xmlns:a16="http://schemas.microsoft.com/office/drawing/2014/main" id="{3D6CEF34-2D83-608E-3801-87D7A2B7C0F8}"/>
+              </a:ext>
+            </a:extLst>
+          </p:cNvPr>
+          <p:cNvSpPr txBox="1"/>
+          <p:nvPr/>
+        </p:nvSpPr>
+        <p:spPr>
+          <a:xfrm>
+            <a:off x="2014412" y="5846544"/>
+            <a:ext cx="8891858" cy="461665"/>
+          </a:xfrm>
+          <a:prstGeom prst="rect">
+            <a:avLst/>
+          </a:prstGeom>
+          <a:noFill/>
+        </p:spPr>
+        <p:txBody>
+          <a:bodyPr wrap="none" rtlCol="0">
+            <a:spAutoFit/>
+          </a:bodyPr>
+          <a:lstStyle/>
+          <a:p>
+            <a:pPr algn="ctr"/>
+            <a:r>
+              <a:rPr lang="en-US" sz="2400" dirty="0"/>
+              <a:t>Your</a:t>
+            </a:r>
+            <a:r>
+              <a:rPr lang="en-US" sz="2400" b="1" dirty="0"/>
+              <a:t> </a:t>
+            </a:r>
+            <a:r>
+              <a:rPr lang="en-US" sz="2400" dirty="0"/>
+              <a:t>choice of LLM </a:t>
+            </a:r>
+            <a:r>
+              <a:rPr lang="en-US" sz="2400" b="1" dirty="0"/>
+              <a:t>overwhelmingly</a:t>
+            </a:r>
+            <a:r>
+              <a:rPr lang="en-US" sz="2400" i="1" dirty="0"/>
+              <a:t> </a:t>
+            </a:r>
+            <a:r>
+              <a:rPr lang="en-US" sz="2400" dirty="0"/>
+              <a:t>determines the performance.</a:t>
+            </a:r>
+          </a:p>
+        </p:txBody>
+      </p:sp>
+    </p:spTree>
+    <p:extLst>
+      <p:ext uri="{BB962C8B-B14F-4D97-AF65-F5344CB8AC3E}">
+        <p14:creationId xmlns:p14="http://schemas.microsoft.com/office/powerpoint/2010/main" val="3795302431"/>
+      </p:ext>
+    </p:extLst>
+  </p:cSld>
+  <p:clrMapOvr>
+    <a:masterClrMapping/>
+  </p:clrMapOvr>
+</p:sld>
+</file>
+
+<file path=ppt/slides/slide12.xml><?xml version="1.0" encoding="utf-8"?>
+<p:sld xmlns:a="http://schemas.openxmlformats.org/drawingml/2006/main" xmlns:r="http://schemas.openxmlformats.org/officeDocument/2006/relationships" xmlns:p="http://schemas.openxmlformats.org/presentationml/2006/main">
+  <p:cSld>
+    <p:spTree>
+      <p:nvGrpSpPr>
+        <p:cNvPr id="1" name=""/>
+        <p:cNvGrpSpPr/>
+        <p:nvPr/>
+      </p:nvGrpSpPr>
+      <p:grpSpPr>
+        <a:xfrm>
+          <a:off x="0" y="0"/>
+          <a:ext cx="0" cy="0"/>
+          <a:chOff x="0" y="0"/>
+          <a:chExt cx="0" cy="0"/>
+        </a:xfrm>
+      </p:grpSpPr>
+      <p:sp>
+        <p:nvSpPr>
           <p:cNvPr id="2" name="Title 1">
             <a:extLst>
               <a:ext uri="{FF2B5EF4-FFF2-40B4-BE49-F238E27FC236}">
@@ -4325,7 +4422,7 @@
 </p:sld>
 </file>
 
-<file path=ppt/slides/slide12.xml><?xml version="1.0" encoding="utf-8"?>
+<file path=ppt/slides/slide13.xml><?xml version="1.0" encoding="utf-8"?>
 <p:sld xmlns:a="http://schemas.openxmlformats.org/drawingml/2006/main" xmlns:r="http://schemas.openxmlformats.org/officeDocument/2006/relationships" xmlns:p="http://schemas.openxmlformats.org/presentationml/2006/main">
   <p:cSld>
     <p:spTree>
@@ -4629,7 +4726,7 @@
         <p:spPr>
           <a:xfrm>
             <a:off x="5400674" y="5308958"/>
-            <a:ext cx="1390651" cy="369332"/>
+            <a:ext cx="1650639" cy="369332"/>
           </a:xfrm>
           <a:prstGeom prst="rect">
             <a:avLst/>
@@ -4644,7 +4741,7 @@
           <a:p>
             <a:r>
               <a:rPr lang="en-US" b="1" dirty="0"/>
-              <a:t>Aggressive</a:t>
+              <a:t>Independent</a:t>
             </a:r>
             <a:endParaRPr lang="en-US" dirty="0"/>
           </a:p>
@@ -4710,7 +4807,7 @@
 </p:sld>
 </file>
 
-<file path=ppt/slides/slide13.xml><?xml version="1.0" encoding="utf-8"?>
+<file path=ppt/slides/slide14.xml><?xml version="1.0" encoding="utf-8"?>
 <p:sld xmlns:a="http://schemas.openxmlformats.org/drawingml/2006/main" xmlns:r="http://schemas.openxmlformats.org/officeDocument/2006/relationships" xmlns:p="http://schemas.openxmlformats.org/presentationml/2006/main">
   <p:cSld>
     <p:spTree>
@@ -4750,7 +4847,7 @@
           <a:p>
             <a:r>
               <a:rPr lang="en-US" dirty="0"/>
-              <a:t>Discussion: Auto-Approve Python commands</a:t>
+              <a:t>Discussion: Auto-Approve commands</a:t>
             </a:r>
           </a:p>
         </p:txBody>
@@ -4774,7 +4871,7 @@
         <p:spPr>
           <a:xfrm>
             <a:off x="838200" y="1825625"/>
-            <a:ext cx="6851650" cy="4351338"/>
+            <a:ext cx="4500914" cy="4351338"/>
           </a:xfrm>
         </p:spPr>
         <p:txBody>
@@ -4802,7 +4899,15 @@
           <a:p>
             <a:r>
               <a:rPr lang="en-US" dirty="0"/>
-              <a:t>What do you think of that?</a:t>
+              <a:t>Rabbits aside: what would it take to do this </a:t>
+            </a:r>
+            <a:r>
+              <a:rPr lang="en-US" b="1" dirty="0"/>
+              <a:t>safely</a:t>
+            </a:r>
+            <a:r>
+              <a:rPr lang="en-US" dirty="0"/>
+              <a:t>?</a:t>
             </a:r>
           </a:p>
         </p:txBody>
@@ -4981,6 +5086,72 @@
           </p:txBody>
         </p:sp>
       </p:grpSp>
+      <p:pic>
+        <p:nvPicPr>
+          <p:cNvPr id="3" name="Picture 2">
+            <a:extLst>
+              <a:ext uri="{FF2B5EF4-FFF2-40B4-BE49-F238E27FC236}">
+                <a16:creationId xmlns:a16="http://schemas.microsoft.com/office/drawing/2014/main" id="{7D19744C-EA02-A2D5-0CE2-FEA522E0C46D}"/>
+              </a:ext>
+            </a:extLst>
+          </p:cNvPr>
+          <p:cNvPicPr>
+            <a:picLocks noChangeAspect="1"/>
+          </p:cNvPicPr>
+          <p:nvPr/>
+        </p:nvPicPr>
+        <p:blipFill>
+          <a:blip r:embed="rId4"/>
+          <a:srcRect l="10860" r="51071"/>
+          <a:stretch>
+            <a:fillRect/>
+          </a:stretch>
+        </p:blipFill>
+        <p:spPr>
+          <a:xfrm>
+            <a:off x="5703304" y="1884463"/>
+            <a:ext cx="2220691" cy="3851073"/>
+          </a:xfrm>
+          <a:prstGeom prst="rect">
+            <a:avLst/>
+          </a:prstGeom>
+        </p:spPr>
+      </p:pic>
+      <p:sp>
+        <p:nvSpPr>
+          <p:cNvPr id="10" name="TextBox 9">
+            <a:extLst>
+              <a:ext uri="{FF2B5EF4-FFF2-40B4-BE49-F238E27FC236}">
+                <a16:creationId xmlns:a16="http://schemas.microsoft.com/office/drawing/2014/main" id="{D3965636-F828-3B89-821B-D0B3050EF88B}"/>
+              </a:ext>
+            </a:extLst>
+          </p:cNvPr>
+          <p:cNvSpPr txBox="1"/>
+          <p:nvPr/>
+        </p:nvSpPr>
+        <p:spPr>
+          <a:xfrm>
+            <a:off x="6704674" y="4308229"/>
+            <a:ext cx="598241" cy="369332"/>
+          </a:xfrm>
+          <a:prstGeom prst="rect">
+            <a:avLst/>
+          </a:prstGeom>
+          <a:noFill/>
+        </p:spPr>
+        <p:txBody>
+          <a:bodyPr wrap="none" rtlCol="0">
+            <a:spAutoFit/>
+          </a:bodyPr>
+          <a:lstStyle/>
+          <a:p>
+            <a:r>
+              <a:rPr lang="en-US" dirty="0"/>
+              <a:t>LLM</a:t>
+            </a:r>
+          </a:p>
+        </p:txBody>
+      </p:sp>
     </p:spTree>
     <p:extLst>
       <p:ext uri="{BB962C8B-B14F-4D97-AF65-F5344CB8AC3E}">
@@ -4994,7 +5165,7 @@
 </p:sld>
 </file>
 
-<file path=ppt/slides/slide14.xml><?xml version="1.0" encoding="utf-8"?>
+<file path=ppt/slides/slide15.xml><?xml version="1.0" encoding="utf-8"?>
 <p:sld xmlns:a="http://schemas.openxmlformats.org/drawingml/2006/main" xmlns:r="http://schemas.openxmlformats.org/officeDocument/2006/relationships" xmlns:p="http://schemas.openxmlformats.org/presentationml/2006/main">
   <p:cSld>
     <p:spTree>
@@ -5377,95 +5548,6 @@
 </p:sld>
 </file>
 
-<file path=ppt/slides/slide15.xml><?xml version="1.0" encoding="utf-8"?>
-<p:sld xmlns:a="http://schemas.openxmlformats.org/drawingml/2006/main" xmlns:r="http://schemas.openxmlformats.org/officeDocument/2006/relationships" xmlns:p="http://schemas.openxmlformats.org/presentationml/2006/main">
-  <p:cSld>
-    <p:spTree>
-      <p:nvGrpSpPr>
-        <p:cNvPr id="1" name=""/>
-        <p:cNvGrpSpPr/>
-        <p:nvPr/>
-      </p:nvGrpSpPr>
-      <p:grpSpPr>
-        <a:xfrm>
-          <a:off x="0" y="0"/>
-          <a:ext cx="0" cy="0"/>
-          <a:chOff x="0" y="0"/>
-          <a:chExt cx="0" cy="0"/>
-        </a:xfrm>
-      </p:grpSpPr>
-      <p:sp>
-        <p:nvSpPr>
-          <p:cNvPr id="4" name="Title 3">
-            <a:extLst>
-              <a:ext uri="{FF2B5EF4-FFF2-40B4-BE49-F238E27FC236}">
-                <a16:creationId xmlns:a16="http://schemas.microsoft.com/office/drawing/2014/main" id="{2117007F-9B04-535C-FA96-2632608B7CA8}"/>
-              </a:ext>
-            </a:extLst>
-          </p:cNvPr>
-          <p:cNvSpPr>
-            <a:spLocks noGrp="1"/>
-          </p:cNvSpPr>
-          <p:nvPr>
-            <p:ph type="title"/>
-          </p:nvPr>
-        </p:nvSpPr>
-        <p:spPr/>
-        <p:txBody>
-          <a:bodyPr>
-            <a:normAutofit/>
-          </a:bodyPr>
-          <a:lstStyle/>
-          <a:p>
-            <a:r>
-              <a:rPr lang="en-US" dirty="0"/>
-              <a:t>Writing test cases in Agent Mode</a:t>
-            </a:r>
-          </a:p>
-        </p:txBody>
-      </p:sp>
-      <p:sp>
-        <p:nvSpPr>
-          <p:cNvPr id="5" name="Text Placeholder 4">
-            <a:extLst>
-              <a:ext uri="{FF2B5EF4-FFF2-40B4-BE49-F238E27FC236}">
-                <a16:creationId xmlns:a16="http://schemas.microsoft.com/office/drawing/2014/main" id="{37C1292D-C814-A32D-2C86-2F93D525A196}"/>
-              </a:ext>
-            </a:extLst>
-          </p:cNvPr>
-          <p:cNvSpPr>
-            <a:spLocks noGrp="1"/>
-          </p:cNvSpPr>
-          <p:nvPr>
-            <p:ph type="body" idx="1"/>
-          </p:nvPr>
-        </p:nvSpPr>
-        <p:spPr/>
-        <p:txBody>
-          <a:bodyPr/>
-          <a:lstStyle/>
-          <a:p>
-            <a:endParaRPr lang="en-US" dirty="0">
-              <a:solidFill>
-                <a:schemeClr val="tx1"/>
-              </a:solidFill>
-            </a:endParaRPr>
-          </a:p>
-        </p:txBody>
-      </p:sp>
-    </p:spTree>
-    <p:extLst>
-      <p:ext uri="{BB962C8B-B14F-4D97-AF65-F5344CB8AC3E}">
-        <p14:creationId xmlns:p14="http://schemas.microsoft.com/office/powerpoint/2010/main" val="95092880"/>
-      </p:ext>
-    </p:extLst>
-  </p:cSld>
-  <p:clrMapOvr>
-    <a:masterClrMapping/>
-  </p:clrMapOvr>
-</p:sld>
-</file>
-
 <file path=ppt/slides/slide16.xml><?xml version="1.0" encoding="utf-8"?>
 <p:sld xmlns:a="http://schemas.openxmlformats.org/drawingml/2006/main" xmlns:r="http://schemas.openxmlformats.org/officeDocument/2006/relationships" xmlns:p="http://schemas.openxmlformats.org/presentationml/2006/main">
   <p:cSld>
@@ -5488,7 +5570,7 @@
           <p:cNvPr id="2" name="Title 1">
             <a:extLst>
               <a:ext uri="{FF2B5EF4-FFF2-40B4-BE49-F238E27FC236}">
-                <a16:creationId xmlns:a16="http://schemas.microsoft.com/office/drawing/2014/main" id="{149F1303-F8A9-BCE5-6A26-8805F72C66B0}"/>
+                <a16:creationId xmlns:a16="http://schemas.microsoft.com/office/drawing/2014/main" id="{F45F8FD2-CD0D-48D9-8D20-9888DC3E03F5}"/>
               </a:ext>
             </a:extLst>
           </p:cNvPr>
@@ -5501,20 +5583,14 @@
         </p:nvSpPr>
         <p:spPr/>
         <p:txBody>
-          <a:bodyPr/>
+          <a:bodyPr>
+            <a:normAutofit/>
+          </a:bodyPr>
           <a:lstStyle/>
           <a:p>
             <a:r>
               <a:rPr lang="en-US" dirty="0"/>
-              <a:t>How </a:t>
-            </a:r>
-            <a:r>
-              <a:rPr lang="en-US" u="sng" dirty="0"/>
-              <a:t>not</a:t>
-            </a:r>
-            <a:r>
-              <a:rPr lang="en-US" dirty="0"/>
-              <a:t> to write test cases with Agents.</a:t>
+              <a:t>Some context limits for reference </a:t>
             </a:r>
           </a:p>
         </p:txBody>
@@ -5524,7 +5600,7 @@
           <p:cNvPr id="3" name="Content Placeholder 2">
             <a:extLst>
               <a:ext uri="{FF2B5EF4-FFF2-40B4-BE49-F238E27FC236}">
-                <a16:creationId xmlns:a16="http://schemas.microsoft.com/office/drawing/2014/main" id="{4C971840-A014-B67C-8448-0E6A96B2C2F6}"/>
+                <a16:creationId xmlns:a16="http://schemas.microsoft.com/office/drawing/2014/main" id="{BD0EF241-0C0A-D894-D12F-45424B7309DB}"/>
               </a:ext>
             </a:extLst>
           </p:cNvPr>
@@ -5541,96 +5617,86 @@
           <a:lstStyle/>
           <a:p>
             <a:r>
-              <a:rPr lang="en-US" b="1" dirty="0"/>
-              <a:t>Bad</a:t>
-            </a:r>
-            <a:r>
               <a:rPr lang="en-US" dirty="0"/>
-              <a:t>: “Generate unit test cases for my code.”</a:t>
+              <a:t>ChatGPT 5 Free Tier: 	8,000 tokens</a:t>
+            </a:r>
+          </a:p>
+          <a:p>
+            <a:endParaRPr lang="en-US" dirty="0"/>
+          </a:p>
+          <a:p>
+            <a:r>
+              <a:rPr lang="en-US" dirty="0"/>
+              <a:t>Claude Sonnet 4.5: 	200,000 tokens</a:t>
+            </a:r>
+          </a:p>
+          <a:p>
+            <a:r>
+              <a:rPr lang="en-US" dirty="0"/>
+              <a:t>Gemini 2.5 Pro: 		1,000,000 tokens</a:t>
             </a:r>
           </a:p>
           <a:p>
             <a:pPr lvl="1"/>
             <a:r>
               <a:rPr lang="en-US" dirty="0"/>
-              <a:t>AI has </a:t>
-            </a:r>
-            <a:r>
-              <a:rPr lang="en-US" b="1" dirty="0"/>
-              <a:t>no idea</a:t>
-            </a:r>
+              <a:t>1 token ~ 4 characters</a:t>
+            </a:r>
+          </a:p>
+          <a:p>
+            <a:pPr lvl="1"/>
             <a:r>
               <a:rPr lang="en-US" dirty="0"/>
-              <a:t> whether your code you are testing is correct!</a:t>
+              <a:t>20 tokens to make a very dense line of 80 characters of code</a:t>
             </a:r>
           </a:p>
           <a:p>
             <a:pPr lvl="1"/>
             <a:r>
               <a:rPr lang="en-US" dirty="0"/>
-              <a:t>No test coverage goal stated.</a:t>
+              <a:t>50 KLOC of completely dense code</a:t>
             </a:r>
           </a:p>
           <a:p>
             <a:pPr lvl="1"/>
-            <a:r>
-              <a:rPr lang="en-US" dirty="0"/>
-              <a:t>No way to measure progress</a:t>
-            </a:r>
-          </a:p>
-          <a:p>
-            <a:endParaRPr lang="en-US" b="1" dirty="0"/>
-          </a:p>
-          <a:p>
-            <a:r>
-              <a:rPr lang="en-US" b="1" dirty="0"/>
-              <a:t>Not much better: </a:t>
-            </a:r>
-            <a:r>
-              <a:rPr lang="en-US" dirty="0"/>
-              <a:t>“Here are my requirements. Generate a comprehensive test plan for these requirements.”</a:t>
-            </a:r>
-          </a:p>
-          <a:p>
-            <a:pPr lvl="1"/>
-            <a:r>
-              <a:rPr lang="en-US" dirty="0"/>
-              <a:t>LLMs </a:t>
-            </a:r>
-            <a:r>
-              <a:rPr lang="en-US" b="1" dirty="0"/>
-              <a:t>aren’t trained </a:t>
-            </a:r>
-            <a:r>
-              <a:rPr lang="en-US" dirty="0"/>
-              <a:t>on most kinds of software testing.</a:t>
-            </a:r>
-          </a:p>
-          <a:p>
-            <a:pPr lvl="1"/>
-            <a:r>
-              <a:rPr lang="en-US" dirty="0"/>
-              <a:t>Tends to </a:t>
-            </a:r>
-            <a:r>
-              <a:rPr lang="en-US" b="1" dirty="0"/>
-              <a:t>hallucinate </a:t>
-            </a:r>
-            <a:r>
-              <a:rPr lang="en-US" dirty="0"/>
-              <a:t>test criteria, especially </a:t>
-            </a:r>
-            <a:r>
-              <a:rPr lang="en-US" b="1" dirty="0"/>
-              <a:t>performance testing</a:t>
-            </a:r>
-            <a:r>
-              <a:rPr lang="en-US" dirty="0"/>
-              <a:t>.</a:t>
-            </a:r>
-          </a:p>
-          <a:p>
-            <a:pPr lvl="1"/>
+            <a:endParaRPr lang="en-US" dirty="0"/>
+          </a:p>
+        </p:txBody>
+      </p:sp>
+      <p:sp>
+        <p:nvSpPr>
+          <p:cNvPr id="5" name="TextBox 4">
+            <a:extLst>
+              <a:ext uri="{FF2B5EF4-FFF2-40B4-BE49-F238E27FC236}">
+                <a16:creationId xmlns:a16="http://schemas.microsoft.com/office/drawing/2014/main" id="{8BEA1C8F-ADCB-F5E0-B2E1-E5DBE0AD837B}"/>
+              </a:ext>
+            </a:extLst>
+          </p:cNvPr>
+          <p:cNvSpPr txBox="1"/>
+          <p:nvPr/>
+        </p:nvSpPr>
+        <p:spPr>
+          <a:xfrm>
+            <a:off x="2209800" y="5992297"/>
+            <a:ext cx="7410450" cy="369332"/>
+          </a:xfrm>
+          <a:prstGeom prst="rect">
+            <a:avLst/>
+          </a:prstGeom>
+          <a:noFill/>
+        </p:spPr>
+        <p:txBody>
+          <a:bodyPr wrap="square">
+            <a:spAutoFit/>
+          </a:bodyPr>
+          <a:lstStyle/>
+          <a:p>
+            <a:r>
+              <a:rPr lang="en-US" dirty="0">
+                <a:hlinkClick r:id="rId2"/>
+              </a:rPr>
+              <a:t>Understand and count tokens  |  Gemini API  |  Google AI for Developers</a:t>
+            </a:r>
             <a:endParaRPr lang="en-US" dirty="0"/>
           </a:p>
         </p:txBody>
@@ -5638,7 +5704,7 @@
     </p:spTree>
     <p:extLst>
       <p:ext uri="{BB962C8B-B14F-4D97-AF65-F5344CB8AC3E}">
-        <p14:creationId xmlns:p14="http://schemas.microsoft.com/office/powerpoint/2010/main" val="2442557687"/>
+        <p14:creationId xmlns:p14="http://schemas.microsoft.com/office/powerpoint/2010/main" val="1289713178"/>
       </p:ext>
     </p:extLst>
   </p:cSld>
@@ -5667,10 +5733,10 @@
       </p:grpSpPr>
       <p:sp>
         <p:nvSpPr>
-          <p:cNvPr id="2" name="Title 1">
-            <a:extLst>
-              <a:ext uri="{FF2B5EF4-FFF2-40B4-BE49-F238E27FC236}">
-                <a16:creationId xmlns:a16="http://schemas.microsoft.com/office/drawing/2014/main" id="{36CE5191-E8CA-9384-9533-204803E00685}"/>
+          <p:cNvPr id="4" name="Title 3">
+            <a:extLst>
+              <a:ext uri="{FF2B5EF4-FFF2-40B4-BE49-F238E27FC236}">
+                <a16:creationId xmlns:a16="http://schemas.microsoft.com/office/drawing/2014/main" id="{2117007F-9B04-535C-FA96-2632608B7CA8}"/>
               </a:ext>
             </a:extLst>
           </p:cNvPr>
@@ -5683,45 +5749,24 @@
         </p:nvSpPr>
         <p:spPr/>
         <p:txBody>
-          <a:bodyPr/>
+          <a:bodyPr>
+            <a:normAutofit/>
+          </a:bodyPr>
           <a:lstStyle/>
           <a:p>
             <a:r>
               <a:rPr lang="en-US" dirty="0"/>
-              <a:t>Best-practice:</a:t>
-            </a:r>
-            <a:br>
-              <a:rPr lang="en-US" dirty="0"/>
-            </a:br>
-            <a:r>
-              <a:rPr lang="en-US" dirty="0"/>
-              <a:t>Write the </a:t>
-            </a:r>
-            <a:r>
-              <a:rPr lang="en-US" u="sng" dirty="0"/>
-              <a:t>first</a:t>
-            </a:r>
-            <a:r>
-              <a:rPr lang="en-US" dirty="0"/>
-              <a:t> test </a:t>
-            </a:r>
-            <a:r>
-              <a:rPr lang="en-US" u="sng" dirty="0"/>
-              <a:t>yourself</a:t>
-            </a:r>
-            <a:r>
-              <a:rPr lang="en-US" dirty="0"/>
-              <a:t>.</a:t>
-            </a:r>
-          </a:p>
-        </p:txBody>
-      </p:sp>
-      <p:sp>
-        <p:nvSpPr>
-          <p:cNvPr id="4" name="Text Placeholder 3">
-            <a:extLst>
-              <a:ext uri="{FF2B5EF4-FFF2-40B4-BE49-F238E27FC236}">
-                <a16:creationId xmlns:a16="http://schemas.microsoft.com/office/drawing/2014/main" id="{AB13C67F-DE16-4855-7471-65A64B76325B}"/>
+              <a:t>Writing code and tests in Agent Mode</a:t>
+            </a:r>
+          </a:p>
+        </p:txBody>
+      </p:sp>
+      <p:sp>
+        <p:nvSpPr>
+          <p:cNvPr id="5" name="Text Placeholder 4">
+            <a:extLst>
+              <a:ext uri="{FF2B5EF4-FFF2-40B4-BE49-F238E27FC236}">
+                <a16:creationId xmlns:a16="http://schemas.microsoft.com/office/drawing/2014/main" id="{37C1292D-C814-A32D-2C86-2F93D525A196}"/>
               </a:ext>
             </a:extLst>
           </p:cNvPr>
@@ -5738,20 +5783,28 @@
           <a:lstStyle/>
           <a:p>
             <a:r>
+              <a:rPr lang="en-US" u="sng" dirty="0">
+                <a:solidFill>
+                  <a:schemeClr val="tx1"/>
+                </a:solidFill>
+              </a:rPr>
+              <a:t>Context</a:t>
+            </a:r>
+            <a:r>
               <a:rPr lang="en-US" dirty="0">
                 <a:solidFill>
                   <a:schemeClr val="tx1"/>
                 </a:solidFill>
               </a:rPr>
-              <a:t>AI is pretty good at </a:t>
-            </a:r>
-            <a:r>
-              <a:rPr lang="en-US" b="1" dirty="0">
+              <a:t> is key, </a:t>
+            </a:r>
+            <a:r>
+              <a:rPr lang="en-US" dirty="0">
                 <a:solidFill>
-                  <a:schemeClr val="tx1"/>
+                  <a:srgbClr val="FF0000"/>
                 </a:solidFill>
               </a:rPr>
-              <a:t>copying you </a:t>
+              <a:t>not prompts</a:t>
             </a:r>
             <a:r>
               <a:rPr lang="en-US" dirty="0">
@@ -5759,7 +5812,33 @@
                   <a:schemeClr val="tx1"/>
                 </a:solidFill>
               </a:rPr>
-              <a:t>to produce the other tests.</a:t>
+              <a:t>.</a:t>
+            </a:r>
+          </a:p>
+          <a:p>
+            <a:r>
+              <a:rPr lang="en-US" dirty="0">
+                <a:solidFill>
+                  <a:schemeClr val="tx1"/>
+                </a:solidFill>
+              </a:rPr>
+              <a:t>The code </a:t>
+            </a:r>
+            <a:r>
+              <a:rPr lang="en-US" u="sng" dirty="0">
+                <a:solidFill>
+                  <a:schemeClr val="tx1"/>
+                </a:solidFill>
+              </a:rPr>
+              <a:t>is</a:t>
+            </a:r>
+            <a:r>
+              <a:rPr lang="en-US" dirty="0">
+                <a:solidFill>
+                  <a:schemeClr val="tx1"/>
+                </a:solidFill>
+              </a:rPr>
+              <a:t> the prompt to an LLM.</a:t>
             </a:r>
           </a:p>
         </p:txBody>
@@ -5767,7 +5846,7 @@
     </p:spTree>
     <p:extLst>
       <p:ext uri="{BB962C8B-B14F-4D97-AF65-F5344CB8AC3E}">
-        <p14:creationId xmlns:p14="http://schemas.microsoft.com/office/powerpoint/2010/main" val="1269736039"/>
+        <p14:creationId xmlns:p14="http://schemas.microsoft.com/office/powerpoint/2010/main" val="95092880"/>
       </p:ext>
     </p:extLst>
   </p:cSld>
@@ -5782,13 +5861,7 @@
   <p:cSld>
     <p:spTree>
       <p:nvGrpSpPr>
-        <p:cNvPr id="1" name="">
-          <a:extLst>
-            <a:ext uri="{FF2B5EF4-FFF2-40B4-BE49-F238E27FC236}">
-              <a16:creationId xmlns:a16="http://schemas.microsoft.com/office/drawing/2014/main" id="{90303270-AA7F-D05D-81F4-385545AB53DA}"/>
-            </a:ext>
-          </a:extLst>
-        </p:cNvPr>
+        <p:cNvPr id="1" name=""/>
         <p:cNvGrpSpPr/>
         <p:nvPr/>
       </p:nvGrpSpPr>
@@ -5805,7 +5878,7 @@
           <p:cNvPr id="2" name="Title 1">
             <a:extLst>
               <a:ext uri="{FF2B5EF4-FFF2-40B4-BE49-F238E27FC236}">
-                <a16:creationId xmlns:a16="http://schemas.microsoft.com/office/drawing/2014/main" id="{FBAE3BE3-F2EE-0E81-D05A-1AA96008A478}"/>
+                <a16:creationId xmlns:a16="http://schemas.microsoft.com/office/drawing/2014/main" id="{149F1303-F8A9-BCE5-6A26-8805F72C66B0}"/>
               </a:ext>
             </a:extLst>
           </p:cNvPr>
@@ -5823,6 +5896,458 @@
           <a:p>
             <a:r>
               <a:rPr lang="en-US" dirty="0"/>
+              <a:t>How </a:t>
+            </a:r>
+            <a:r>
+              <a:rPr lang="en-US" u="sng" dirty="0"/>
+              <a:t>not</a:t>
+            </a:r>
+            <a:r>
+              <a:rPr lang="en-US" dirty="0"/>
+              <a:t> to write test cases with Agents.</a:t>
+            </a:r>
+          </a:p>
+        </p:txBody>
+      </p:sp>
+      <p:sp>
+        <p:nvSpPr>
+          <p:cNvPr id="3" name="Content Placeholder 2">
+            <a:extLst>
+              <a:ext uri="{FF2B5EF4-FFF2-40B4-BE49-F238E27FC236}">
+                <a16:creationId xmlns:a16="http://schemas.microsoft.com/office/drawing/2014/main" id="{4C971840-A014-B67C-8448-0E6A96B2C2F6}"/>
+              </a:ext>
+            </a:extLst>
+          </p:cNvPr>
+          <p:cNvSpPr>
+            <a:spLocks noGrp="1"/>
+          </p:cNvSpPr>
+          <p:nvPr>
+            <p:ph idx="1"/>
+          </p:nvPr>
+        </p:nvSpPr>
+        <p:spPr/>
+        <p:txBody>
+          <a:bodyPr/>
+          <a:lstStyle/>
+          <a:p>
+            <a:r>
+              <a:rPr lang="en-US" b="1" dirty="0"/>
+              <a:t>Bad</a:t>
+            </a:r>
+            <a:r>
+              <a:rPr lang="en-US" dirty="0"/>
+              <a:t>: “Generate unit test cases for my code.”</a:t>
+            </a:r>
+          </a:p>
+          <a:p>
+            <a:pPr lvl="1"/>
+            <a:r>
+              <a:rPr lang="en-US" dirty="0"/>
+              <a:t>AI has </a:t>
+            </a:r>
+            <a:r>
+              <a:rPr lang="en-US" b="1" dirty="0"/>
+              <a:t>no idea</a:t>
+            </a:r>
+            <a:r>
+              <a:rPr lang="en-US" dirty="0"/>
+              <a:t> whether your code you are testing is correct!</a:t>
+            </a:r>
+          </a:p>
+          <a:p>
+            <a:pPr lvl="1"/>
+            <a:r>
+              <a:rPr lang="en-US" dirty="0"/>
+              <a:t>No test coverage goal stated.</a:t>
+            </a:r>
+          </a:p>
+          <a:p>
+            <a:pPr lvl="1"/>
+            <a:r>
+              <a:rPr lang="en-US" dirty="0"/>
+              <a:t>No way to measure progress.</a:t>
+            </a:r>
+          </a:p>
+          <a:p>
+            <a:endParaRPr lang="en-US" b="1" dirty="0"/>
+          </a:p>
+          <a:p>
+            <a:r>
+              <a:rPr lang="en-US" b="1" dirty="0"/>
+              <a:t>Not much better: </a:t>
+            </a:r>
+            <a:r>
+              <a:rPr lang="en-US" dirty="0"/>
+              <a:t>“Here are my requirements. Generate a comprehensive test plan for these requirements.”</a:t>
+            </a:r>
+          </a:p>
+          <a:p>
+            <a:pPr lvl="1"/>
+            <a:r>
+              <a:rPr lang="en-US" dirty="0"/>
+              <a:t>LLMs </a:t>
+            </a:r>
+            <a:r>
+              <a:rPr lang="en-US" b="1" dirty="0"/>
+              <a:t>aren’t trained </a:t>
+            </a:r>
+            <a:r>
+              <a:rPr lang="en-US" dirty="0"/>
+              <a:t>on most kinds of software testing.</a:t>
+            </a:r>
+          </a:p>
+          <a:p>
+            <a:pPr lvl="1"/>
+            <a:r>
+              <a:rPr lang="en-US" dirty="0"/>
+              <a:t>Tends to </a:t>
+            </a:r>
+            <a:r>
+              <a:rPr lang="en-US" b="1" dirty="0"/>
+              <a:t>hallucinate </a:t>
+            </a:r>
+            <a:r>
+              <a:rPr lang="en-US" dirty="0"/>
+              <a:t>test criteria, especially </a:t>
+            </a:r>
+            <a:r>
+              <a:rPr lang="en-US" b="1" dirty="0"/>
+              <a:t>performance testing</a:t>
+            </a:r>
+            <a:r>
+              <a:rPr lang="en-US" dirty="0"/>
+              <a:t>.</a:t>
+            </a:r>
+          </a:p>
+          <a:p>
+            <a:pPr lvl="1"/>
+            <a:endParaRPr lang="en-US" dirty="0"/>
+          </a:p>
+        </p:txBody>
+      </p:sp>
+    </p:spTree>
+    <p:extLst>
+      <p:ext uri="{BB962C8B-B14F-4D97-AF65-F5344CB8AC3E}">
+        <p14:creationId xmlns:p14="http://schemas.microsoft.com/office/powerpoint/2010/main" val="2442557687"/>
+      </p:ext>
+    </p:extLst>
+  </p:cSld>
+  <p:clrMapOvr>
+    <a:masterClrMapping/>
+  </p:clrMapOvr>
+  <p:timing>
+    <p:tnLst>
+      <p:par>
+        <p:cTn id="1" dur="indefinite" restart="never" nodeType="tmRoot">
+          <p:childTnLst>
+            <p:seq concurrent="1" nextAc="seek">
+              <p:cTn id="2" dur="indefinite" nodeType="mainSeq">
+                <p:childTnLst>
+                  <p:par>
+                    <p:cTn id="3" fill="hold">
+                      <p:stCondLst>
+                        <p:cond delay="indefinite"/>
+                      </p:stCondLst>
+                      <p:childTnLst>
+                        <p:par>
+                          <p:cTn id="4" fill="hold">
+                            <p:stCondLst>
+                              <p:cond delay="0"/>
+                            </p:stCondLst>
+                            <p:childTnLst>
+                              <p:par>
+                                <p:cTn id="5" presetID="1" presetClass="entr" presetSubtype="0" fill="hold" nodeType="clickEffect">
+                                  <p:stCondLst>
+                                    <p:cond delay="0"/>
+                                  </p:stCondLst>
+                                  <p:childTnLst>
+                                    <p:set>
+                                      <p:cBhvr>
+                                        <p:cTn id="6" dur="1" fill="hold">
+                                          <p:stCondLst>
+                                            <p:cond delay="0"/>
+                                          </p:stCondLst>
+                                        </p:cTn>
+                                        <p:tgtEl>
+                                          <p:spTgt spid="3">
+                                            <p:txEl>
+                                              <p:pRg st="1" end="1"/>
+                                            </p:txEl>
+                                          </p:spTgt>
+                                        </p:tgtEl>
+                                        <p:attrNameLst>
+                                          <p:attrName>style.visibility</p:attrName>
+                                        </p:attrNameLst>
+                                      </p:cBhvr>
+                                      <p:to>
+                                        <p:strVal val="visible"/>
+                                      </p:to>
+                                    </p:set>
+                                  </p:childTnLst>
+                                </p:cTn>
+                              </p:par>
+                              <p:par>
+                                <p:cTn id="7" presetID="1" presetClass="entr" presetSubtype="0" fill="hold" nodeType="withEffect">
+                                  <p:stCondLst>
+                                    <p:cond delay="0"/>
+                                  </p:stCondLst>
+                                  <p:childTnLst>
+                                    <p:set>
+                                      <p:cBhvr>
+                                        <p:cTn id="8" dur="1" fill="hold">
+                                          <p:stCondLst>
+                                            <p:cond delay="0"/>
+                                          </p:stCondLst>
+                                        </p:cTn>
+                                        <p:tgtEl>
+                                          <p:spTgt spid="3">
+                                            <p:txEl>
+                                              <p:pRg st="2" end="2"/>
+                                            </p:txEl>
+                                          </p:spTgt>
+                                        </p:tgtEl>
+                                        <p:attrNameLst>
+                                          <p:attrName>style.visibility</p:attrName>
+                                        </p:attrNameLst>
+                                      </p:cBhvr>
+                                      <p:to>
+                                        <p:strVal val="visible"/>
+                                      </p:to>
+                                    </p:set>
+                                  </p:childTnLst>
+                                </p:cTn>
+                              </p:par>
+                              <p:par>
+                                <p:cTn id="9" presetID="1" presetClass="entr" presetSubtype="0" fill="hold" nodeType="withEffect">
+                                  <p:stCondLst>
+                                    <p:cond delay="0"/>
+                                  </p:stCondLst>
+                                  <p:childTnLst>
+                                    <p:set>
+                                      <p:cBhvr>
+                                        <p:cTn id="10" dur="1" fill="hold">
+                                          <p:stCondLst>
+                                            <p:cond delay="0"/>
+                                          </p:stCondLst>
+                                        </p:cTn>
+                                        <p:tgtEl>
+                                          <p:spTgt spid="3">
+                                            <p:txEl>
+                                              <p:pRg st="3" end="3"/>
+                                            </p:txEl>
+                                          </p:spTgt>
+                                        </p:tgtEl>
+                                        <p:attrNameLst>
+                                          <p:attrName>style.visibility</p:attrName>
+                                        </p:attrNameLst>
+                                      </p:cBhvr>
+                                      <p:to>
+                                        <p:strVal val="visible"/>
+                                      </p:to>
+                                    </p:set>
+                                  </p:childTnLst>
+                                </p:cTn>
+                              </p:par>
+                            </p:childTnLst>
+                          </p:cTn>
+                        </p:par>
+                      </p:childTnLst>
+                    </p:cTn>
+                  </p:par>
+                  <p:par>
+                    <p:cTn id="11" fill="hold">
+                      <p:stCondLst>
+                        <p:cond delay="indefinite"/>
+                      </p:stCondLst>
+                      <p:childTnLst>
+                        <p:par>
+                          <p:cTn id="12" fill="hold">
+                            <p:stCondLst>
+                              <p:cond delay="0"/>
+                            </p:stCondLst>
+                            <p:childTnLst>
+                              <p:par>
+                                <p:cTn id="13" presetID="1" presetClass="entr" presetSubtype="0" fill="hold" nodeType="clickEffect">
+                                  <p:stCondLst>
+                                    <p:cond delay="0"/>
+                                  </p:stCondLst>
+                                  <p:childTnLst>
+                                    <p:set>
+                                      <p:cBhvr>
+                                        <p:cTn id="14" dur="1" fill="hold">
+                                          <p:stCondLst>
+                                            <p:cond delay="0"/>
+                                          </p:stCondLst>
+                                        </p:cTn>
+                                        <p:tgtEl>
+                                          <p:spTgt spid="3">
+                                            <p:txEl>
+                                              <p:pRg st="5" end="5"/>
+                                            </p:txEl>
+                                          </p:spTgt>
+                                        </p:tgtEl>
+                                        <p:attrNameLst>
+                                          <p:attrName>style.visibility</p:attrName>
+                                        </p:attrNameLst>
+                                      </p:cBhvr>
+                                      <p:to>
+                                        <p:strVal val="visible"/>
+                                      </p:to>
+                                    </p:set>
+                                  </p:childTnLst>
+                                </p:cTn>
+                              </p:par>
+                            </p:childTnLst>
+                          </p:cTn>
+                        </p:par>
+                      </p:childTnLst>
+                    </p:cTn>
+                  </p:par>
+                  <p:par>
+                    <p:cTn id="15" fill="hold">
+                      <p:stCondLst>
+                        <p:cond delay="indefinite"/>
+                      </p:stCondLst>
+                      <p:childTnLst>
+                        <p:par>
+                          <p:cTn id="16" fill="hold">
+                            <p:stCondLst>
+                              <p:cond delay="0"/>
+                            </p:stCondLst>
+                            <p:childTnLst>
+                              <p:par>
+                                <p:cTn id="17" presetID="1" presetClass="entr" presetSubtype="0" fill="hold" nodeType="clickEffect">
+                                  <p:stCondLst>
+                                    <p:cond delay="0"/>
+                                  </p:stCondLst>
+                                  <p:childTnLst>
+                                    <p:set>
+                                      <p:cBhvr>
+                                        <p:cTn id="18" dur="1" fill="hold">
+                                          <p:stCondLst>
+                                            <p:cond delay="0"/>
+                                          </p:stCondLst>
+                                        </p:cTn>
+                                        <p:tgtEl>
+                                          <p:spTgt spid="3">
+                                            <p:txEl>
+                                              <p:pRg st="6" end="6"/>
+                                            </p:txEl>
+                                          </p:spTgt>
+                                        </p:tgtEl>
+                                        <p:attrNameLst>
+                                          <p:attrName>style.visibility</p:attrName>
+                                        </p:attrNameLst>
+                                      </p:cBhvr>
+                                      <p:to>
+                                        <p:strVal val="visible"/>
+                                      </p:to>
+                                    </p:set>
+                                  </p:childTnLst>
+                                </p:cTn>
+                              </p:par>
+                              <p:par>
+                                <p:cTn id="19" presetID="1" presetClass="entr" presetSubtype="0" fill="hold" nodeType="withEffect">
+                                  <p:stCondLst>
+                                    <p:cond delay="0"/>
+                                  </p:stCondLst>
+                                  <p:childTnLst>
+                                    <p:set>
+                                      <p:cBhvr>
+                                        <p:cTn id="20" dur="1" fill="hold">
+                                          <p:stCondLst>
+                                            <p:cond delay="0"/>
+                                          </p:stCondLst>
+                                        </p:cTn>
+                                        <p:tgtEl>
+                                          <p:spTgt spid="3">
+                                            <p:txEl>
+                                              <p:pRg st="7" end="7"/>
+                                            </p:txEl>
+                                          </p:spTgt>
+                                        </p:tgtEl>
+                                        <p:attrNameLst>
+                                          <p:attrName>style.visibility</p:attrName>
+                                        </p:attrNameLst>
+                                      </p:cBhvr>
+                                      <p:to>
+                                        <p:strVal val="visible"/>
+                                      </p:to>
+                                    </p:set>
+                                  </p:childTnLst>
+                                </p:cTn>
+                              </p:par>
+                            </p:childTnLst>
+                          </p:cTn>
+                        </p:par>
+                      </p:childTnLst>
+                    </p:cTn>
+                  </p:par>
+                </p:childTnLst>
+              </p:cTn>
+              <p:prevCondLst>
+                <p:cond evt="onPrev" delay="0">
+                  <p:tgtEl>
+                    <p:sldTgt/>
+                  </p:tgtEl>
+                </p:cond>
+              </p:prevCondLst>
+              <p:nextCondLst>
+                <p:cond evt="onNext" delay="0">
+                  <p:tgtEl>
+                    <p:sldTgt/>
+                  </p:tgtEl>
+                </p:cond>
+              </p:nextCondLst>
+            </p:seq>
+          </p:childTnLst>
+        </p:cTn>
+      </p:par>
+    </p:tnLst>
+  </p:timing>
+</p:sld>
+</file>
+
+<file path=ppt/slides/slide19.xml><?xml version="1.0" encoding="utf-8"?>
+<p:sld xmlns:a="http://schemas.openxmlformats.org/drawingml/2006/main" xmlns:r="http://schemas.openxmlformats.org/officeDocument/2006/relationships" xmlns:p="http://schemas.openxmlformats.org/presentationml/2006/main">
+  <p:cSld>
+    <p:spTree>
+      <p:nvGrpSpPr>
+        <p:cNvPr id="1" name=""/>
+        <p:cNvGrpSpPr/>
+        <p:nvPr/>
+      </p:nvGrpSpPr>
+      <p:grpSpPr>
+        <a:xfrm>
+          <a:off x="0" y="0"/>
+          <a:ext cx="0" cy="0"/>
+          <a:chOff x="0" y="0"/>
+          <a:chExt cx="0" cy="0"/>
+        </a:xfrm>
+      </p:grpSpPr>
+      <p:sp>
+        <p:nvSpPr>
+          <p:cNvPr id="2" name="Title 1">
+            <a:extLst>
+              <a:ext uri="{FF2B5EF4-FFF2-40B4-BE49-F238E27FC236}">
+                <a16:creationId xmlns:a16="http://schemas.microsoft.com/office/drawing/2014/main" id="{36CE5191-E8CA-9384-9533-204803E00685}"/>
+              </a:ext>
+            </a:extLst>
+          </p:cNvPr>
+          <p:cNvSpPr>
+            <a:spLocks noGrp="1"/>
+          </p:cNvSpPr>
+          <p:nvPr>
+            <p:ph type="title"/>
+          </p:nvPr>
+        </p:nvSpPr>
+        <p:spPr/>
+        <p:txBody>
+          <a:bodyPr/>
+          <a:lstStyle/>
+          <a:p>
+            <a:r>
+              <a:rPr lang="en-US" dirty="0"/>
               <a:t>Best-practice:</a:t>
             </a:r>
             <a:br>
@@ -5830,7 +6355,23 @@
             </a:br>
             <a:r>
               <a:rPr lang="en-US" dirty="0"/>
-              <a:t>Give the AI a code coverage tool.</a:t>
+              <a:t>Write the </a:t>
+            </a:r>
+            <a:r>
+              <a:rPr lang="en-US" u="sng" dirty="0"/>
+              <a:t>first</a:t>
+            </a:r>
+            <a:r>
+              <a:rPr lang="en-US" dirty="0"/>
+              <a:t> unit test </a:t>
+            </a:r>
+            <a:r>
+              <a:rPr lang="en-US" u="sng" dirty="0"/>
+              <a:t>yourself</a:t>
+            </a:r>
+            <a:r>
+              <a:rPr lang="en-US" dirty="0"/>
+              <a:t>.</a:t>
             </a:r>
           </a:p>
         </p:txBody>
@@ -5840,7 +6381,7 @@
           <p:cNvPr id="4" name="Text Placeholder 3">
             <a:extLst>
               <a:ext uri="{FF2B5EF4-FFF2-40B4-BE49-F238E27FC236}">
-                <a16:creationId xmlns:a16="http://schemas.microsoft.com/office/drawing/2014/main" id="{740E893C-D5C3-2800-2E09-0CC47F82E793}"/>
+                <a16:creationId xmlns:a16="http://schemas.microsoft.com/office/drawing/2014/main" id="{AB13C67F-DE16-4855-7471-65A64B76325B}"/>
               </a:ext>
             </a:extLst>
           </p:cNvPr>
@@ -5862,7 +6403,23 @@
                   <a:schemeClr val="tx1"/>
                 </a:solidFill>
               </a:rPr>
-              <a:t>AI is pretty good at iterating on code coverage data.</a:t>
+              <a:t>AI is pretty good at </a:t>
+            </a:r>
+            <a:r>
+              <a:rPr lang="en-US" b="1" dirty="0">
+                <a:solidFill>
+                  <a:schemeClr val="tx1"/>
+                </a:solidFill>
+              </a:rPr>
+              <a:t>copying you </a:t>
+            </a:r>
+            <a:r>
+              <a:rPr lang="en-US" dirty="0">
+                <a:solidFill>
+                  <a:schemeClr val="tx1"/>
+                </a:solidFill>
+              </a:rPr>
+              <a:t>to produce the other tests.</a:t>
             </a:r>
           </a:p>
         </p:txBody>
@@ -5870,7 +6427,7 @@
     </p:spTree>
     <p:extLst>
       <p:ext uri="{BB962C8B-B14F-4D97-AF65-F5344CB8AC3E}">
-        <p14:creationId xmlns:p14="http://schemas.microsoft.com/office/powerpoint/2010/main" val="2185005053"/>
+        <p14:creationId xmlns:p14="http://schemas.microsoft.com/office/powerpoint/2010/main" val="1269736039"/>
       </p:ext>
     </p:extLst>
   </p:cSld>
@@ -5948,11 +6505,11 @@
           <a:p>
             <a:r>
               <a:rPr lang="en-US" dirty="0"/>
-              <a:t>And how to </a:t>
+              <a:t>And: can we </a:t>
             </a:r>
             <a:r>
               <a:rPr lang="en-US" u="sng" dirty="0"/>
-              <a:t>avoid deleting your production database</a:t>
+              <a:t>avoid deleting your production database?</a:t>
             </a:r>
           </a:p>
         </p:txBody>
@@ -6019,6 +6576,996 @@
   <p:clrMapOvr>
     <a:masterClrMapping/>
   </p:clrMapOvr>
+</p:sld>
+</file>
+
+<file path=ppt/slides/slide20.xml><?xml version="1.0" encoding="utf-8"?>
+<p:sld xmlns:a="http://schemas.openxmlformats.org/drawingml/2006/main" xmlns:r="http://schemas.openxmlformats.org/officeDocument/2006/relationships" xmlns:p="http://schemas.openxmlformats.org/presentationml/2006/main">
+  <p:cSld>
+    <p:spTree>
+      <p:nvGrpSpPr>
+        <p:cNvPr id="1" name="">
+          <a:extLst>
+            <a:ext uri="{FF2B5EF4-FFF2-40B4-BE49-F238E27FC236}">
+              <a16:creationId xmlns:a16="http://schemas.microsoft.com/office/drawing/2014/main" id="{90303270-AA7F-D05D-81F4-385545AB53DA}"/>
+            </a:ext>
+          </a:extLst>
+        </p:cNvPr>
+        <p:cNvGrpSpPr/>
+        <p:nvPr/>
+      </p:nvGrpSpPr>
+      <p:grpSpPr>
+        <a:xfrm>
+          <a:off x="0" y="0"/>
+          <a:ext cx="0" cy="0"/>
+          <a:chOff x="0" y="0"/>
+          <a:chExt cx="0" cy="0"/>
+        </a:xfrm>
+      </p:grpSpPr>
+      <p:sp>
+        <p:nvSpPr>
+          <p:cNvPr id="2" name="Title 1">
+            <a:extLst>
+              <a:ext uri="{FF2B5EF4-FFF2-40B4-BE49-F238E27FC236}">
+                <a16:creationId xmlns:a16="http://schemas.microsoft.com/office/drawing/2014/main" id="{FBAE3BE3-F2EE-0E81-D05A-1AA96008A478}"/>
+              </a:ext>
+            </a:extLst>
+          </p:cNvPr>
+          <p:cNvSpPr>
+            <a:spLocks noGrp="1"/>
+          </p:cNvSpPr>
+          <p:nvPr>
+            <p:ph type="title"/>
+          </p:nvPr>
+        </p:nvSpPr>
+        <p:spPr/>
+        <p:txBody>
+          <a:bodyPr/>
+          <a:lstStyle/>
+          <a:p>
+            <a:r>
+              <a:rPr lang="en-US" dirty="0"/>
+              <a:t>Best-practice:</a:t>
+            </a:r>
+            <a:br>
+              <a:rPr lang="en-US" dirty="0"/>
+            </a:br>
+            <a:r>
+              <a:rPr lang="en-US" dirty="0"/>
+              <a:t>Give the AI a code coverage tool.</a:t>
+            </a:r>
+          </a:p>
+        </p:txBody>
+      </p:sp>
+      <p:sp>
+        <p:nvSpPr>
+          <p:cNvPr id="4" name="Text Placeholder 3">
+            <a:extLst>
+              <a:ext uri="{FF2B5EF4-FFF2-40B4-BE49-F238E27FC236}">
+                <a16:creationId xmlns:a16="http://schemas.microsoft.com/office/drawing/2014/main" id="{740E893C-D5C3-2800-2E09-0CC47F82E793}"/>
+              </a:ext>
+            </a:extLst>
+          </p:cNvPr>
+          <p:cNvSpPr>
+            <a:spLocks noGrp="1"/>
+          </p:cNvSpPr>
+          <p:nvPr>
+            <p:ph type="body" idx="1"/>
+          </p:nvPr>
+        </p:nvSpPr>
+        <p:spPr/>
+        <p:txBody>
+          <a:bodyPr/>
+          <a:lstStyle/>
+          <a:p>
+            <a:r>
+              <a:rPr lang="en-US" dirty="0">
+                <a:solidFill>
+                  <a:schemeClr val="tx1"/>
+                </a:solidFill>
+              </a:rPr>
+              <a:t>Ideally: </a:t>
+            </a:r>
+            <a:r>
+              <a:rPr lang="en-US" b="1" dirty="0">
+                <a:solidFill>
+                  <a:schemeClr val="tx1"/>
+                </a:solidFill>
+              </a:rPr>
+              <a:t>mutation testing</a:t>
+            </a:r>
+            <a:r>
+              <a:rPr lang="en-US" dirty="0">
+                <a:solidFill>
+                  <a:schemeClr val="tx1"/>
+                </a:solidFill>
+              </a:rPr>
+              <a:t>.</a:t>
+            </a:r>
+          </a:p>
+          <a:p>
+            <a:r>
+              <a:rPr lang="en-US" b="1" dirty="0">
+                <a:solidFill>
+                  <a:schemeClr val="tx1"/>
+                </a:solidFill>
+              </a:rPr>
+              <a:t>Strip out </a:t>
+            </a:r>
+            <a:r>
+              <a:rPr lang="en-US" dirty="0">
+                <a:solidFill>
+                  <a:schemeClr val="tx1"/>
+                </a:solidFill>
+              </a:rPr>
+              <a:t>excess code.</a:t>
+            </a:r>
+          </a:p>
+        </p:txBody>
+      </p:sp>
+    </p:spTree>
+    <p:extLst>
+      <p:ext uri="{BB962C8B-B14F-4D97-AF65-F5344CB8AC3E}">
+        <p14:creationId xmlns:p14="http://schemas.microsoft.com/office/powerpoint/2010/main" val="2185005053"/>
+      </p:ext>
+    </p:extLst>
+  </p:cSld>
+  <p:clrMapOvr>
+    <a:masterClrMapping/>
+  </p:clrMapOvr>
+</p:sld>
+</file>
+
+<file path=ppt/slides/slide21.xml><?xml version="1.0" encoding="utf-8"?>
+<p:sld xmlns:a="http://schemas.openxmlformats.org/drawingml/2006/main" xmlns:r="http://schemas.openxmlformats.org/officeDocument/2006/relationships" xmlns:p="http://schemas.openxmlformats.org/presentationml/2006/main">
+  <p:cSld>
+    <p:spTree>
+      <p:nvGrpSpPr>
+        <p:cNvPr id="1" name=""/>
+        <p:cNvGrpSpPr/>
+        <p:nvPr/>
+      </p:nvGrpSpPr>
+      <p:grpSpPr>
+        <a:xfrm>
+          <a:off x="0" y="0"/>
+          <a:ext cx="0" cy="0"/>
+          <a:chOff x="0" y="0"/>
+          <a:chExt cx="0" cy="0"/>
+        </a:xfrm>
+      </p:grpSpPr>
+      <p:sp>
+        <p:nvSpPr>
+          <p:cNvPr id="4" name="Title 3">
+            <a:extLst>
+              <a:ext uri="{FF2B5EF4-FFF2-40B4-BE49-F238E27FC236}">
+                <a16:creationId xmlns:a16="http://schemas.microsoft.com/office/drawing/2014/main" id="{5E42667C-7D25-43AD-FC02-5F599D384366}"/>
+              </a:ext>
+            </a:extLst>
+          </p:cNvPr>
+          <p:cNvSpPr>
+            <a:spLocks noGrp="1"/>
+          </p:cNvSpPr>
+          <p:nvPr>
+            <p:ph type="title"/>
+          </p:nvPr>
+        </p:nvSpPr>
+        <p:spPr/>
+        <p:txBody>
+          <a:bodyPr/>
+          <a:lstStyle/>
+          <a:p>
+            <a:r>
+              <a:rPr lang="en-US" dirty="0"/>
+              <a:t>A V-model for using Agents</a:t>
+            </a:r>
+          </a:p>
+        </p:txBody>
+      </p:sp>
+      <p:sp>
+        <p:nvSpPr>
+          <p:cNvPr id="5" name="Content Placeholder 4">
+            <a:extLst>
+              <a:ext uri="{FF2B5EF4-FFF2-40B4-BE49-F238E27FC236}">
+                <a16:creationId xmlns:a16="http://schemas.microsoft.com/office/drawing/2014/main" id="{080B431A-C1A6-2390-AF57-6141BF3E649A}"/>
+              </a:ext>
+            </a:extLst>
+          </p:cNvPr>
+          <p:cNvSpPr>
+            <a:spLocks noGrp="1"/>
+          </p:cNvSpPr>
+          <p:nvPr>
+            <p:ph idx="1"/>
+          </p:nvPr>
+        </p:nvSpPr>
+        <p:spPr>
+          <a:xfrm>
+            <a:off x="838200" y="1423764"/>
+            <a:ext cx="10515600" cy="5434235"/>
+          </a:xfrm>
+        </p:spPr>
+        <p:txBody>
+          <a:bodyPr>
+            <a:noAutofit/>
+          </a:bodyPr>
+          <a:lstStyle/>
+          <a:p>
+            <a:pPr marL="514350" indent="-514350">
+              <a:buFont typeface="+mj-lt"/>
+              <a:buAutoNum type="arabicPeriod"/>
+            </a:pPr>
+            <a:r>
+              <a:rPr lang="en-US" sz="1800" dirty="0"/>
+              <a:t>Identify the requirements to be implemented.</a:t>
+            </a:r>
+          </a:p>
+          <a:p>
+            <a:pPr marL="514350" indent="-514350">
+              <a:buFont typeface="+mj-lt"/>
+              <a:buAutoNum type="arabicPeriod"/>
+            </a:pPr>
+            <a:r>
+              <a:rPr lang="en-US" sz="1800" dirty="0"/>
+              <a:t>Gather the relevant code as context. (better still: plug in an </a:t>
+            </a:r>
+            <a:r>
+              <a:rPr lang="en-US" sz="1800" i="1" dirty="0"/>
+              <a:t>MCP Server</a:t>
+            </a:r>
+            <a:r>
+              <a:rPr lang="en-US" sz="1800" dirty="0"/>
+              <a:t> that can find your context in your company’s GitHub)</a:t>
+            </a:r>
+          </a:p>
+          <a:p>
+            <a:pPr marL="514350" indent="-514350">
+              <a:buFont typeface="+mj-lt"/>
+              <a:buAutoNum type="arabicPeriod"/>
+            </a:pPr>
+            <a:r>
+              <a:rPr lang="en-US" sz="1800" dirty="0"/>
+              <a:t>Write a system test yourself. (could be code, Microsoft Word, or other formats)</a:t>
+            </a:r>
+          </a:p>
+          <a:p>
+            <a:pPr marL="514350" indent="-514350">
+              <a:buFont typeface="+mj-lt"/>
+              <a:buAutoNum type="arabicPeriod"/>
+            </a:pPr>
+            <a:r>
+              <a:rPr lang="en-US" sz="1800" dirty="0"/>
+              <a:t>Write the first unit test yourself. (JUnit)</a:t>
+            </a:r>
+          </a:p>
+          <a:p>
+            <a:pPr marL="514350" indent="-514350">
+              <a:buFont typeface="+mj-lt"/>
+              <a:buAutoNum type="arabicPeriod"/>
+            </a:pPr>
+            <a:r>
+              <a:rPr lang="en-US" sz="1800" dirty="0"/>
+              <a:t>Ask the Agent to write the bare-minimum code to make the unit test pass, and </a:t>
+            </a:r>
+            <a:r>
+              <a:rPr lang="en-US" sz="1800" b="1" dirty="0"/>
+              <a:t>make it run the test </a:t>
+            </a:r>
+            <a:r>
+              <a:rPr lang="en-US" sz="1800" dirty="0"/>
+              <a:t>to verify it passes.</a:t>
+            </a:r>
+            <a:endParaRPr lang="en-US" sz="1800" b="1" dirty="0"/>
+          </a:p>
+          <a:p>
+            <a:pPr marL="514350" indent="-514350">
+              <a:buFont typeface="+mj-lt"/>
+              <a:buAutoNum type="arabicPeriod"/>
+            </a:pPr>
+            <a:r>
+              <a:rPr lang="en-US" sz="1800" dirty="0"/>
+              <a:t>Describe other scenarios to the Agent and have it write more tests for those scenarios in the style of your first test.</a:t>
+            </a:r>
+          </a:p>
+          <a:p>
+            <a:pPr marL="514350" indent="-514350">
+              <a:buFont typeface="+mj-lt"/>
+              <a:buAutoNum type="arabicPeriod"/>
+            </a:pPr>
+            <a:r>
+              <a:rPr lang="en-US" sz="1800" dirty="0"/>
+              <a:t>Look at them to make sure they are not copying you too closely.</a:t>
+            </a:r>
+          </a:p>
+          <a:p>
+            <a:pPr marL="514350" indent="-514350">
+              <a:buFont typeface="+mj-lt"/>
+              <a:buAutoNum type="arabicPeriod"/>
+            </a:pPr>
+            <a:r>
+              <a:rPr lang="en-US" sz="1800" dirty="0"/>
+              <a:t>Have the Agent write the bare minimum code to make those tests pass, and </a:t>
+            </a:r>
+            <a:r>
+              <a:rPr lang="en-US" sz="1800" b="1" dirty="0"/>
+              <a:t>make it run the tests</a:t>
+            </a:r>
+            <a:r>
+              <a:rPr lang="en-US" sz="1800" dirty="0"/>
+              <a:t>.</a:t>
+            </a:r>
+          </a:p>
+          <a:p>
+            <a:pPr marL="514350" indent="-514350">
+              <a:buFont typeface="+mj-lt"/>
+              <a:buAutoNum type="arabicPeriod"/>
+            </a:pPr>
+            <a:r>
+              <a:rPr lang="en-US" sz="1800" dirty="0"/>
+              <a:t>Ask the Agent to use objective measures like mutation testing to remove unnecessary code it wrote.</a:t>
+            </a:r>
+          </a:p>
+          <a:p>
+            <a:pPr marL="514350" indent="-514350">
+              <a:buFont typeface="+mj-lt"/>
+              <a:buAutoNum type="arabicPeriod"/>
+            </a:pPr>
+            <a:r>
+              <a:rPr lang="en-US" sz="1800" dirty="0"/>
+              <a:t>Have the Agent write the code needed for the system test to pass.</a:t>
+            </a:r>
+          </a:p>
+          <a:p>
+            <a:pPr marL="514350" indent="-514350">
+              <a:buFont typeface="+mj-lt"/>
+              <a:buAutoNum type="arabicPeriod"/>
+            </a:pPr>
+            <a:r>
+              <a:rPr lang="en-US" sz="1800" dirty="0"/>
+              <a:t>Manually run the system test to verify it actually passes.</a:t>
+            </a:r>
+          </a:p>
+          <a:p>
+            <a:pPr marL="514350" indent="-514350">
+              <a:buFont typeface="+mj-lt"/>
+              <a:buAutoNum type="arabicPeriod"/>
+            </a:pPr>
+            <a:r>
+              <a:rPr lang="en-US" sz="1800" dirty="0"/>
+              <a:t>Validate that the system requirements are actually satisfied.</a:t>
+            </a:r>
+          </a:p>
+        </p:txBody>
+      </p:sp>
+    </p:spTree>
+    <p:extLst>
+      <p:ext uri="{BB962C8B-B14F-4D97-AF65-F5344CB8AC3E}">
+        <p14:creationId xmlns:p14="http://schemas.microsoft.com/office/powerpoint/2010/main" val="3500466956"/>
+      </p:ext>
+    </p:extLst>
+  </p:cSld>
+  <p:clrMapOvr>
+    <a:masterClrMapping/>
+  </p:clrMapOvr>
+  <p:timing>
+    <p:tnLst>
+      <p:par>
+        <p:cTn id="1" dur="indefinite" restart="never" nodeType="tmRoot">
+          <p:childTnLst>
+            <p:seq concurrent="1" nextAc="seek">
+              <p:cTn id="2" dur="indefinite" nodeType="mainSeq">
+                <p:childTnLst>
+                  <p:par>
+                    <p:cTn id="3" fill="hold">
+                      <p:stCondLst>
+                        <p:cond delay="indefinite"/>
+                      </p:stCondLst>
+                      <p:childTnLst>
+                        <p:par>
+                          <p:cTn id="4" fill="hold">
+                            <p:stCondLst>
+                              <p:cond delay="0"/>
+                            </p:stCondLst>
+                            <p:childTnLst>
+                              <p:par>
+                                <p:cTn id="5" presetID="1" presetClass="entr" presetSubtype="0" fill="hold" grpId="0" nodeType="clickEffect">
+                                  <p:stCondLst>
+                                    <p:cond delay="0"/>
+                                  </p:stCondLst>
+                                  <p:childTnLst>
+                                    <p:set>
+                                      <p:cBhvr>
+                                        <p:cTn id="6" dur="1" fill="hold">
+                                          <p:stCondLst>
+                                            <p:cond delay="0"/>
+                                          </p:stCondLst>
+                                        </p:cTn>
+                                        <p:tgtEl>
+                                          <p:spTgt spid="5">
+                                            <p:txEl>
+                                              <p:pRg st="0" end="0"/>
+                                            </p:txEl>
+                                          </p:spTgt>
+                                        </p:tgtEl>
+                                        <p:attrNameLst>
+                                          <p:attrName>style.visibility</p:attrName>
+                                        </p:attrNameLst>
+                                      </p:cBhvr>
+                                      <p:to>
+                                        <p:strVal val="visible"/>
+                                      </p:to>
+                                    </p:set>
+                                  </p:childTnLst>
+                                </p:cTn>
+                              </p:par>
+                            </p:childTnLst>
+                          </p:cTn>
+                        </p:par>
+                      </p:childTnLst>
+                    </p:cTn>
+                  </p:par>
+                  <p:par>
+                    <p:cTn id="7" fill="hold">
+                      <p:stCondLst>
+                        <p:cond delay="indefinite"/>
+                      </p:stCondLst>
+                      <p:childTnLst>
+                        <p:par>
+                          <p:cTn id="8" fill="hold">
+                            <p:stCondLst>
+                              <p:cond delay="0"/>
+                            </p:stCondLst>
+                            <p:childTnLst>
+                              <p:par>
+                                <p:cTn id="9" presetID="1" presetClass="entr" presetSubtype="0" fill="hold" grpId="0" nodeType="clickEffect">
+                                  <p:stCondLst>
+                                    <p:cond delay="0"/>
+                                  </p:stCondLst>
+                                  <p:childTnLst>
+                                    <p:set>
+                                      <p:cBhvr>
+                                        <p:cTn id="10" dur="1" fill="hold">
+                                          <p:stCondLst>
+                                            <p:cond delay="0"/>
+                                          </p:stCondLst>
+                                        </p:cTn>
+                                        <p:tgtEl>
+                                          <p:spTgt spid="5">
+                                            <p:txEl>
+                                              <p:pRg st="1" end="1"/>
+                                            </p:txEl>
+                                          </p:spTgt>
+                                        </p:tgtEl>
+                                        <p:attrNameLst>
+                                          <p:attrName>style.visibility</p:attrName>
+                                        </p:attrNameLst>
+                                      </p:cBhvr>
+                                      <p:to>
+                                        <p:strVal val="visible"/>
+                                      </p:to>
+                                    </p:set>
+                                  </p:childTnLst>
+                                </p:cTn>
+                              </p:par>
+                            </p:childTnLst>
+                          </p:cTn>
+                        </p:par>
+                      </p:childTnLst>
+                    </p:cTn>
+                  </p:par>
+                  <p:par>
+                    <p:cTn id="11" fill="hold">
+                      <p:stCondLst>
+                        <p:cond delay="indefinite"/>
+                      </p:stCondLst>
+                      <p:childTnLst>
+                        <p:par>
+                          <p:cTn id="12" fill="hold">
+                            <p:stCondLst>
+                              <p:cond delay="0"/>
+                            </p:stCondLst>
+                            <p:childTnLst>
+                              <p:par>
+                                <p:cTn id="13" presetID="1" presetClass="entr" presetSubtype="0" fill="hold" grpId="0" nodeType="clickEffect">
+                                  <p:stCondLst>
+                                    <p:cond delay="0"/>
+                                  </p:stCondLst>
+                                  <p:childTnLst>
+                                    <p:set>
+                                      <p:cBhvr>
+                                        <p:cTn id="14" dur="1" fill="hold">
+                                          <p:stCondLst>
+                                            <p:cond delay="0"/>
+                                          </p:stCondLst>
+                                        </p:cTn>
+                                        <p:tgtEl>
+                                          <p:spTgt spid="5">
+                                            <p:txEl>
+                                              <p:pRg st="2" end="2"/>
+                                            </p:txEl>
+                                          </p:spTgt>
+                                        </p:tgtEl>
+                                        <p:attrNameLst>
+                                          <p:attrName>style.visibility</p:attrName>
+                                        </p:attrNameLst>
+                                      </p:cBhvr>
+                                      <p:to>
+                                        <p:strVal val="visible"/>
+                                      </p:to>
+                                    </p:set>
+                                  </p:childTnLst>
+                                </p:cTn>
+                              </p:par>
+                            </p:childTnLst>
+                          </p:cTn>
+                        </p:par>
+                      </p:childTnLst>
+                    </p:cTn>
+                  </p:par>
+                  <p:par>
+                    <p:cTn id="15" fill="hold">
+                      <p:stCondLst>
+                        <p:cond delay="indefinite"/>
+                      </p:stCondLst>
+                      <p:childTnLst>
+                        <p:par>
+                          <p:cTn id="16" fill="hold">
+                            <p:stCondLst>
+                              <p:cond delay="0"/>
+                            </p:stCondLst>
+                            <p:childTnLst>
+                              <p:par>
+                                <p:cTn id="17" presetID="1" presetClass="entr" presetSubtype="0" fill="hold" grpId="0" nodeType="clickEffect">
+                                  <p:stCondLst>
+                                    <p:cond delay="0"/>
+                                  </p:stCondLst>
+                                  <p:childTnLst>
+                                    <p:set>
+                                      <p:cBhvr>
+                                        <p:cTn id="18" dur="1" fill="hold">
+                                          <p:stCondLst>
+                                            <p:cond delay="0"/>
+                                          </p:stCondLst>
+                                        </p:cTn>
+                                        <p:tgtEl>
+                                          <p:spTgt spid="5">
+                                            <p:txEl>
+                                              <p:pRg st="3" end="3"/>
+                                            </p:txEl>
+                                          </p:spTgt>
+                                        </p:tgtEl>
+                                        <p:attrNameLst>
+                                          <p:attrName>style.visibility</p:attrName>
+                                        </p:attrNameLst>
+                                      </p:cBhvr>
+                                      <p:to>
+                                        <p:strVal val="visible"/>
+                                      </p:to>
+                                    </p:set>
+                                  </p:childTnLst>
+                                </p:cTn>
+                              </p:par>
+                            </p:childTnLst>
+                          </p:cTn>
+                        </p:par>
+                      </p:childTnLst>
+                    </p:cTn>
+                  </p:par>
+                  <p:par>
+                    <p:cTn id="19" fill="hold">
+                      <p:stCondLst>
+                        <p:cond delay="indefinite"/>
+                      </p:stCondLst>
+                      <p:childTnLst>
+                        <p:par>
+                          <p:cTn id="20" fill="hold">
+                            <p:stCondLst>
+                              <p:cond delay="0"/>
+                            </p:stCondLst>
+                            <p:childTnLst>
+                              <p:par>
+                                <p:cTn id="21" presetID="1" presetClass="entr" presetSubtype="0" fill="hold" grpId="0" nodeType="clickEffect">
+                                  <p:stCondLst>
+                                    <p:cond delay="0"/>
+                                  </p:stCondLst>
+                                  <p:childTnLst>
+                                    <p:set>
+                                      <p:cBhvr>
+                                        <p:cTn id="22" dur="1" fill="hold">
+                                          <p:stCondLst>
+                                            <p:cond delay="0"/>
+                                          </p:stCondLst>
+                                        </p:cTn>
+                                        <p:tgtEl>
+                                          <p:spTgt spid="5">
+                                            <p:txEl>
+                                              <p:pRg st="4" end="4"/>
+                                            </p:txEl>
+                                          </p:spTgt>
+                                        </p:tgtEl>
+                                        <p:attrNameLst>
+                                          <p:attrName>style.visibility</p:attrName>
+                                        </p:attrNameLst>
+                                      </p:cBhvr>
+                                      <p:to>
+                                        <p:strVal val="visible"/>
+                                      </p:to>
+                                    </p:set>
+                                  </p:childTnLst>
+                                </p:cTn>
+                              </p:par>
+                            </p:childTnLst>
+                          </p:cTn>
+                        </p:par>
+                      </p:childTnLst>
+                    </p:cTn>
+                  </p:par>
+                  <p:par>
+                    <p:cTn id="23" fill="hold">
+                      <p:stCondLst>
+                        <p:cond delay="indefinite"/>
+                      </p:stCondLst>
+                      <p:childTnLst>
+                        <p:par>
+                          <p:cTn id="24" fill="hold">
+                            <p:stCondLst>
+                              <p:cond delay="0"/>
+                            </p:stCondLst>
+                            <p:childTnLst>
+                              <p:par>
+                                <p:cTn id="25" presetID="1" presetClass="entr" presetSubtype="0" fill="hold" grpId="0" nodeType="clickEffect">
+                                  <p:stCondLst>
+                                    <p:cond delay="0"/>
+                                  </p:stCondLst>
+                                  <p:childTnLst>
+                                    <p:set>
+                                      <p:cBhvr>
+                                        <p:cTn id="26" dur="1" fill="hold">
+                                          <p:stCondLst>
+                                            <p:cond delay="0"/>
+                                          </p:stCondLst>
+                                        </p:cTn>
+                                        <p:tgtEl>
+                                          <p:spTgt spid="5">
+                                            <p:txEl>
+                                              <p:pRg st="5" end="5"/>
+                                            </p:txEl>
+                                          </p:spTgt>
+                                        </p:tgtEl>
+                                        <p:attrNameLst>
+                                          <p:attrName>style.visibility</p:attrName>
+                                        </p:attrNameLst>
+                                      </p:cBhvr>
+                                      <p:to>
+                                        <p:strVal val="visible"/>
+                                      </p:to>
+                                    </p:set>
+                                  </p:childTnLst>
+                                </p:cTn>
+                              </p:par>
+                            </p:childTnLst>
+                          </p:cTn>
+                        </p:par>
+                      </p:childTnLst>
+                    </p:cTn>
+                  </p:par>
+                  <p:par>
+                    <p:cTn id="27" fill="hold">
+                      <p:stCondLst>
+                        <p:cond delay="indefinite"/>
+                      </p:stCondLst>
+                      <p:childTnLst>
+                        <p:par>
+                          <p:cTn id="28" fill="hold">
+                            <p:stCondLst>
+                              <p:cond delay="0"/>
+                            </p:stCondLst>
+                            <p:childTnLst>
+                              <p:par>
+                                <p:cTn id="29" presetID="1" presetClass="entr" presetSubtype="0" fill="hold" grpId="0" nodeType="clickEffect">
+                                  <p:stCondLst>
+                                    <p:cond delay="0"/>
+                                  </p:stCondLst>
+                                  <p:childTnLst>
+                                    <p:set>
+                                      <p:cBhvr>
+                                        <p:cTn id="30" dur="1" fill="hold">
+                                          <p:stCondLst>
+                                            <p:cond delay="0"/>
+                                          </p:stCondLst>
+                                        </p:cTn>
+                                        <p:tgtEl>
+                                          <p:spTgt spid="5">
+                                            <p:txEl>
+                                              <p:pRg st="6" end="6"/>
+                                            </p:txEl>
+                                          </p:spTgt>
+                                        </p:tgtEl>
+                                        <p:attrNameLst>
+                                          <p:attrName>style.visibility</p:attrName>
+                                        </p:attrNameLst>
+                                      </p:cBhvr>
+                                      <p:to>
+                                        <p:strVal val="visible"/>
+                                      </p:to>
+                                    </p:set>
+                                  </p:childTnLst>
+                                </p:cTn>
+                              </p:par>
+                            </p:childTnLst>
+                          </p:cTn>
+                        </p:par>
+                      </p:childTnLst>
+                    </p:cTn>
+                  </p:par>
+                  <p:par>
+                    <p:cTn id="31" fill="hold">
+                      <p:stCondLst>
+                        <p:cond delay="indefinite"/>
+                      </p:stCondLst>
+                      <p:childTnLst>
+                        <p:par>
+                          <p:cTn id="32" fill="hold">
+                            <p:stCondLst>
+                              <p:cond delay="0"/>
+                            </p:stCondLst>
+                            <p:childTnLst>
+                              <p:par>
+                                <p:cTn id="33" presetID="1" presetClass="entr" presetSubtype="0" fill="hold" grpId="0" nodeType="clickEffect">
+                                  <p:stCondLst>
+                                    <p:cond delay="0"/>
+                                  </p:stCondLst>
+                                  <p:childTnLst>
+                                    <p:set>
+                                      <p:cBhvr>
+                                        <p:cTn id="34" dur="1" fill="hold">
+                                          <p:stCondLst>
+                                            <p:cond delay="0"/>
+                                          </p:stCondLst>
+                                        </p:cTn>
+                                        <p:tgtEl>
+                                          <p:spTgt spid="5">
+                                            <p:txEl>
+                                              <p:pRg st="7" end="7"/>
+                                            </p:txEl>
+                                          </p:spTgt>
+                                        </p:tgtEl>
+                                        <p:attrNameLst>
+                                          <p:attrName>style.visibility</p:attrName>
+                                        </p:attrNameLst>
+                                      </p:cBhvr>
+                                      <p:to>
+                                        <p:strVal val="visible"/>
+                                      </p:to>
+                                    </p:set>
+                                  </p:childTnLst>
+                                </p:cTn>
+                              </p:par>
+                            </p:childTnLst>
+                          </p:cTn>
+                        </p:par>
+                      </p:childTnLst>
+                    </p:cTn>
+                  </p:par>
+                  <p:par>
+                    <p:cTn id="35" fill="hold">
+                      <p:stCondLst>
+                        <p:cond delay="indefinite"/>
+                      </p:stCondLst>
+                      <p:childTnLst>
+                        <p:par>
+                          <p:cTn id="36" fill="hold">
+                            <p:stCondLst>
+                              <p:cond delay="0"/>
+                            </p:stCondLst>
+                            <p:childTnLst>
+                              <p:par>
+                                <p:cTn id="37" presetID="1" presetClass="entr" presetSubtype="0" fill="hold" grpId="0" nodeType="clickEffect">
+                                  <p:stCondLst>
+                                    <p:cond delay="0"/>
+                                  </p:stCondLst>
+                                  <p:childTnLst>
+                                    <p:set>
+                                      <p:cBhvr>
+                                        <p:cTn id="38" dur="1" fill="hold">
+                                          <p:stCondLst>
+                                            <p:cond delay="0"/>
+                                          </p:stCondLst>
+                                        </p:cTn>
+                                        <p:tgtEl>
+                                          <p:spTgt spid="5">
+                                            <p:txEl>
+                                              <p:pRg st="8" end="8"/>
+                                            </p:txEl>
+                                          </p:spTgt>
+                                        </p:tgtEl>
+                                        <p:attrNameLst>
+                                          <p:attrName>style.visibility</p:attrName>
+                                        </p:attrNameLst>
+                                      </p:cBhvr>
+                                      <p:to>
+                                        <p:strVal val="visible"/>
+                                      </p:to>
+                                    </p:set>
+                                  </p:childTnLst>
+                                </p:cTn>
+                              </p:par>
+                            </p:childTnLst>
+                          </p:cTn>
+                        </p:par>
+                      </p:childTnLst>
+                    </p:cTn>
+                  </p:par>
+                  <p:par>
+                    <p:cTn id="39" fill="hold">
+                      <p:stCondLst>
+                        <p:cond delay="indefinite"/>
+                      </p:stCondLst>
+                      <p:childTnLst>
+                        <p:par>
+                          <p:cTn id="40" fill="hold">
+                            <p:stCondLst>
+                              <p:cond delay="0"/>
+                            </p:stCondLst>
+                            <p:childTnLst>
+                              <p:par>
+                                <p:cTn id="41" presetID="1" presetClass="entr" presetSubtype="0" fill="hold" grpId="0" nodeType="clickEffect">
+                                  <p:stCondLst>
+                                    <p:cond delay="0"/>
+                                  </p:stCondLst>
+                                  <p:childTnLst>
+                                    <p:set>
+                                      <p:cBhvr>
+                                        <p:cTn id="42" dur="1" fill="hold">
+                                          <p:stCondLst>
+                                            <p:cond delay="0"/>
+                                          </p:stCondLst>
+                                        </p:cTn>
+                                        <p:tgtEl>
+                                          <p:spTgt spid="5">
+                                            <p:txEl>
+                                              <p:pRg st="9" end="9"/>
+                                            </p:txEl>
+                                          </p:spTgt>
+                                        </p:tgtEl>
+                                        <p:attrNameLst>
+                                          <p:attrName>style.visibility</p:attrName>
+                                        </p:attrNameLst>
+                                      </p:cBhvr>
+                                      <p:to>
+                                        <p:strVal val="visible"/>
+                                      </p:to>
+                                    </p:set>
+                                  </p:childTnLst>
+                                </p:cTn>
+                              </p:par>
+                            </p:childTnLst>
+                          </p:cTn>
+                        </p:par>
+                      </p:childTnLst>
+                    </p:cTn>
+                  </p:par>
+                  <p:par>
+                    <p:cTn id="43" fill="hold">
+                      <p:stCondLst>
+                        <p:cond delay="indefinite"/>
+                      </p:stCondLst>
+                      <p:childTnLst>
+                        <p:par>
+                          <p:cTn id="44" fill="hold">
+                            <p:stCondLst>
+                              <p:cond delay="0"/>
+                            </p:stCondLst>
+                            <p:childTnLst>
+                              <p:par>
+                                <p:cTn id="45" presetID="1" presetClass="entr" presetSubtype="0" fill="hold" grpId="0" nodeType="clickEffect">
+                                  <p:stCondLst>
+                                    <p:cond delay="0"/>
+                                  </p:stCondLst>
+                                  <p:childTnLst>
+                                    <p:set>
+                                      <p:cBhvr>
+                                        <p:cTn id="46" dur="1" fill="hold">
+                                          <p:stCondLst>
+                                            <p:cond delay="0"/>
+                                          </p:stCondLst>
+                                        </p:cTn>
+                                        <p:tgtEl>
+                                          <p:spTgt spid="5">
+                                            <p:txEl>
+                                              <p:pRg st="10" end="10"/>
+                                            </p:txEl>
+                                          </p:spTgt>
+                                        </p:tgtEl>
+                                        <p:attrNameLst>
+                                          <p:attrName>style.visibility</p:attrName>
+                                        </p:attrNameLst>
+                                      </p:cBhvr>
+                                      <p:to>
+                                        <p:strVal val="visible"/>
+                                      </p:to>
+                                    </p:set>
+                                  </p:childTnLst>
+                                </p:cTn>
+                              </p:par>
+                            </p:childTnLst>
+                          </p:cTn>
+                        </p:par>
+                      </p:childTnLst>
+                    </p:cTn>
+                  </p:par>
+                  <p:par>
+                    <p:cTn id="47" fill="hold">
+                      <p:stCondLst>
+                        <p:cond delay="indefinite"/>
+                      </p:stCondLst>
+                      <p:childTnLst>
+                        <p:par>
+                          <p:cTn id="48" fill="hold">
+                            <p:stCondLst>
+                              <p:cond delay="0"/>
+                            </p:stCondLst>
+                            <p:childTnLst>
+                              <p:par>
+                                <p:cTn id="49" presetID="1" presetClass="entr" presetSubtype="0" fill="hold" grpId="0" nodeType="clickEffect">
+                                  <p:stCondLst>
+                                    <p:cond delay="0"/>
+                                  </p:stCondLst>
+                                  <p:childTnLst>
+                                    <p:set>
+                                      <p:cBhvr>
+                                        <p:cTn id="50" dur="1" fill="hold">
+                                          <p:stCondLst>
+                                            <p:cond delay="0"/>
+                                          </p:stCondLst>
+                                        </p:cTn>
+                                        <p:tgtEl>
+                                          <p:spTgt spid="5">
+                                            <p:txEl>
+                                              <p:pRg st="11" end="11"/>
+                                            </p:txEl>
+                                          </p:spTgt>
+                                        </p:tgtEl>
+                                        <p:attrNameLst>
+                                          <p:attrName>style.visibility</p:attrName>
+                                        </p:attrNameLst>
+                                      </p:cBhvr>
+                                      <p:to>
+                                        <p:strVal val="visible"/>
+                                      </p:to>
+                                    </p:set>
+                                  </p:childTnLst>
+                                </p:cTn>
+                              </p:par>
+                            </p:childTnLst>
+                          </p:cTn>
+                        </p:par>
+                      </p:childTnLst>
+                    </p:cTn>
+                  </p:par>
+                </p:childTnLst>
+              </p:cTn>
+              <p:prevCondLst>
+                <p:cond evt="onPrev" delay="0">
+                  <p:tgtEl>
+                    <p:sldTgt/>
+                  </p:tgtEl>
+                </p:cond>
+              </p:prevCondLst>
+              <p:nextCondLst>
+                <p:cond evt="onNext" delay="0">
+                  <p:tgtEl>
+                    <p:sldTgt/>
+                  </p:tgtEl>
+                </p:cond>
+              </p:nextCondLst>
+            </p:seq>
+          </p:childTnLst>
+        </p:cTn>
+      </p:par>
+    </p:tnLst>
+    <p:bldLst>
+      <p:bldP spid="5" grpId="0" build="p"/>
+    </p:bldLst>
+  </p:timing>
 </p:sld>
 </file>
 
@@ -8666,6 +10213,373 @@
   <p:cSld>
     <p:spTree>
       <p:nvGrpSpPr>
+        <p:cNvPr id="1" name="">
+          <a:extLst>
+            <a:ext uri="{FF2B5EF4-FFF2-40B4-BE49-F238E27FC236}">
+              <a16:creationId xmlns:a16="http://schemas.microsoft.com/office/drawing/2014/main" id="{23057894-DEA9-20B9-6BEF-92E69E74B9FD}"/>
+            </a:ext>
+          </a:extLst>
+        </p:cNvPr>
+        <p:cNvGrpSpPr/>
+        <p:nvPr/>
+      </p:nvGrpSpPr>
+      <p:grpSpPr>
+        <a:xfrm>
+          <a:off x="0" y="0"/>
+          <a:ext cx="0" cy="0"/>
+          <a:chOff x="0" y="0"/>
+          <a:chExt cx="0" cy="0"/>
+        </a:xfrm>
+      </p:grpSpPr>
+      <p:sp>
+        <p:nvSpPr>
+          <p:cNvPr id="2" name="Title 1">
+            <a:extLst>
+              <a:ext uri="{FF2B5EF4-FFF2-40B4-BE49-F238E27FC236}">
+                <a16:creationId xmlns:a16="http://schemas.microsoft.com/office/drawing/2014/main" id="{02466CE6-D6A6-C16C-269E-B97B113529B6}"/>
+              </a:ext>
+            </a:extLst>
+          </p:cNvPr>
+          <p:cNvSpPr>
+            <a:spLocks noGrp="1"/>
+          </p:cNvSpPr>
+          <p:nvPr>
+            <p:ph type="title"/>
+          </p:nvPr>
+        </p:nvSpPr>
+        <p:spPr/>
+        <p:txBody>
+          <a:bodyPr>
+            <a:normAutofit/>
+          </a:bodyPr>
+          <a:lstStyle/>
+          <a:p>
+            <a:r>
+              <a:rPr lang="en-US" dirty="0"/>
+              <a:t>Agents mostly just </a:t>
+            </a:r>
+            <a:r>
+              <a:rPr lang="en-US" u="sng" dirty="0"/>
+              <a:t>shovel</a:t>
+            </a:r>
+            <a:r>
+              <a:rPr lang="en-US" dirty="0"/>
+              <a:t> command line text to and from the LLM</a:t>
+            </a:r>
+          </a:p>
+        </p:txBody>
+      </p:sp>
+      <p:sp>
+        <p:nvSpPr>
+          <p:cNvPr id="3" name="Content Placeholder 2">
+            <a:extLst>
+              <a:ext uri="{FF2B5EF4-FFF2-40B4-BE49-F238E27FC236}">
+                <a16:creationId xmlns:a16="http://schemas.microsoft.com/office/drawing/2014/main" id="{DBA30A6D-4702-4FD9-D037-E7E8FAAA47BD}"/>
+              </a:ext>
+            </a:extLst>
+          </p:cNvPr>
+          <p:cNvSpPr>
+            <a:spLocks noGrp="1"/>
+          </p:cNvSpPr>
+          <p:nvPr>
+            <p:ph idx="1"/>
+          </p:nvPr>
+        </p:nvSpPr>
+        <p:spPr/>
+        <p:txBody>
+          <a:bodyPr/>
+          <a:lstStyle/>
+          <a:p>
+            <a:r>
+              <a:rPr lang="en-US" dirty="0"/>
+              <a:t>Test results – just run the tests from the command line, then</a:t>
+            </a:r>
+            <a:br>
+              <a:rPr lang="en-US" dirty="0"/>
+            </a:br>
+            <a:r>
+              <a:rPr lang="en-US" dirty="0"/>
+              <a:t>		     dump the output back into the Context</a:t>
+            </a:r>
+          </a:p>
+          <a:p>
+            <a:r>
+              <a:rPr lang="en-US" dirty="0"/>
+              <a:t>IDE compilation errors –run the compiler</a:t>
+            </a:r>
+          </a:p>
+          <a:p>
+            <a:r>
+              <a:rPr lang="en-US" dirty="0"/>
+              <a:t>Linter warnings – run the linter</a:t>
+            </a:r>
+          </a:p>
+          <a:p>
+            <a:r>
+              <a:rPr lang="en-US" dirty="0"/>
+              <a:t>Database schema and contents –run </a:t>
+            </a:r>
+            <a:r>
+              <a:rPr lang="en-US" dirty="0" err="1">
+                <a:latin typeface="Courier New" panose="02070309020205020404" pitchFamily="49" charset="0"/>
+                <a:cs typeface="Courier New" panose="02070309020205020404" pitchFamily="49" charset="0"/>
+              </a:rPr>
+              <a:t>sqlcmd</a:t>
+            </a:r>
+            <a:r>
+              <a:rPr lang="en-US" dirty="0"/>
+              <a:t> with the production database credentials that the Agent stole from your computer</a:t>
+            </a:r>
+          </a:p>
+        </p:txBody>
+      </p:sp>
+    </p:spTree>
+    <p:extLst>
+      <p:ext uri="{BB962C8B-B14F-4D97-AF65-F5344CB8AC3E}">
+        <p14:creationId xmlns:p14="http://schemas.microsoft.com/office/powerpoint/2010/main" val="1703175487"/>
+      </p:ext>
+    </p:extLst>
+  </p:cSld>
+  <p:clrMapOvr>
+    <a:masterClrMapping/>
+  </p:clrMapOvr>
+  <p:timing>
+    <p:tnLst>
+      <p:par>
+        <p:cTn id="1" dur="indefinite" restart="never" nodeType="tmRoot">
+          <p:childTnLst>
+            <p:seq concurrent="1" nextAc="seek">
+              <p:cTn id="2" dur="indefinite" nodeType="mainSeq">
+                <p:childTnLst>
+                  <p:par>
+                    <p:cTn id="3" fill="hold">
+                      <p:stCondLst>
+                        <p:cond delay="indefinite"/>
+                      </p:stCondLst>
+                      <p:childTnLst>
+                        <p:par>
+                          <p:cTn id="4" fill="hold">
+                            <p:stCondLst>
+                              <p:cond delay="0"/>
+                            </p:stCondLst>
+                            <p:childTnLst>
+                              <p:par>
+                                <p:cTn id="5" presetID="1" presetClass="entr" presetSubtype="0" fill="hold" grpId="0" nodeType="clickEffect">
+                                  <p:stCondLst>
+                                    <p:cond delay="0"/>
+                                  </p:stCondLst>
+                                  <p:childTnLst>
+                                    <p:set>
+                                      <p:cBhvr>
+                                        <p:cTn id="6" dur="1" fill="hold">
+                                          <p:stCondLst>
+                                            <p:cond delay="0"/>
+                                          </p:stCondLst>
+                                        </p:cTn>
+                                        <p:tgtEl>
+                                          <p:spTgt spid="3">
+                                            <p:txEl>
+                                              <p:pRg st="0" end="0"/>
+                                            </p:txEl>
+                                          </p:spTgt>
+                                        </p:tgtEl>
+                                        <p:attrNameLst>
+                                          <p:attrName>style.visibility</p:attrName>
+                                        </p:attrNameLst>
+                                      </p:cBhvr>
+                                      <p:to>
+                                        <p:strVal val="visible"/>
+                                      </p:to>
+                                    </p:set>
+                                  </p:childTnLst>
+                                </p:cTn>
+                              </p:par>
+                            </p:childTnLst>
+                          </p:cTn>
+                        </p:par>
+                      </p:childTnLst>
+                    </p:cTn>
+                  </p:par>
+                  <p:par>
+                    <p:cTn id="7" fill="hold">
+                      <p:stCondLst>
+                        <p:cond delay="indefinite"/>
+                      </p:stCondLst>
+                      <p:childTnLst>
+                        <p:par>
+                          <p:cTn id="8" fill="hold">
+                            <p:stCondLst>
+                              <p:cond delay="0"/>
+                            </p:stCondLst>
+                            <p:childTnLst>
+                              <p:par>
+                                <p:cTn id="9" presetID="1" presetClass="entr" presetSubtype="0" fill="hold" grpId="0" nodeType="clickEffect">
+                                  <p:stCondLst>
+                                    <p:cond delay="0"/>
+                                  </p:stCondLst>
+                                  <p:childTnLst>
+                                    <p:set>
+                                      <p:cBhvr>
+                                        <p:cTn id="10" dur="1" fill="hold">
+                                          <p:stCondLst>
+                                            <p:cond delay="0"/>
+                                          </p:stCondLst>
+                                        </p:cTn>
+                                        <p:tgtEl>
+                                          <p:spTgt spid="3">
+                                            <p:txEl>
+                                              <p:pRg st="1" end="1"/>
+                                            </p:txEl>
+                                          </p:spTgt>
+                                        </p:tgtEl>
+                                        <p:attrNameLst>
+                                          <p:attrName>style.visibility</p:attrName>
+                                        </p:attrNameLst>
+                                      </p:cBhvr>
+                                      <p:to>
+                                        <p:strVal val="visible"/>
+                                      </p:to>
+                                    </p:set>
+                                  </p:childTnLst>
+                                </p:cTn>
+                              </p:par>
+                            </p:childTnLst>
+                          </p:cTn>
+                        </p:par>
+                      </p:childTnLst>
+                    </p:cTn>
+                  </p:par>
+                  <p:par>
+                    <p:cTn id="11" fill="hold">
+                      <p:stCondLst>
+                        <p:cond delay="indefinite"/>
+                      </p:stCondLst>
+                      <p:childTnLst>
+                        <p:par>
+                          <p:cTn id="12" fill="hold">
+                            <p:stCondLst>
+                              <p:cond delay="0"/>
+                            </p:stCondLst>
+                            <p:childTnLst>
+                              <p:par>
+                                <p:cTn id="13" presetID="1" presetClass="entr" presetSubtype="0" fill="hold" grpId="0" nodeType="clickEffect">
+                                  <p:stCondLst>
+                                    <p:cond delay="0"/>
+                                  </p:stCondLst>
+                                  <p:childTnLst>
+                                    <p:set>
+                                      <p:cBhvr>
+                                        <p:cTn id="14" dur="1" fill="hold">
+                                          <p:stCondLst>
+                                            <p:cond delay="0"/>
+                                          </p:stCondLst>
+                                        </p:cTn>
+                                        <p:tgtEl>
+                                          <p:spTgt spid="3">
+                                            <p:txEl>
+                                              <p:pRg st="2" end="2"/>
+                                            </p:txEl>
+                                          </p:spTgt>
+                                        </p:tgtEl>
+                                        <p:attrNameLst>
+                                          <p:attrName>style.visibility</p:attrName>
+                                        </p:attrNameLst>
+                                      </p:cBhvr>
+                                      <p:to>
+                                        <p:strVal val="visible"/>
+                                      </p:to>
+                                    </p:set>
+                                  </p:childTnLst>
+                                </p:cTn>
+                              </p:par>
+                            </p:childTnLst>
+                          </p:cTn>
+                        </p:par>
+                      </p:childTnLst>
+                    </p:cTn>
+                  </p:par>
+                  <p:par>
+                    <p:cTn id="15" fill="hold">
+                      <p:stCondLst>
+                        <p:cond delay="indefinite"/>
+                      </p:stCondLst>
+                      <p:childTnLst>
+                        <p:par>
+                          <p:cTn id="16" fill="hold">
+                            <p:stCondLst>
+                              <p:cond delay="0"/>
+                            </p:stCondLst>
+                            <p:childTnLst>
+                              <p:par>
+                                <p:cTn id="17" presetID="1" presetClass="entr" presetSubtype="0" fill="hold" grpId="0" nodeType="clickEffect">
+                                  <p:stCondLst>
+                                    <p:cond delay="0"/>
+                                  </p:stCondLst>
+                                  <p:childTnLst>
+                                    <p:set>
+                                      <p:cBhvr>
+                                        <p:cTn id="18" dur="1" fill="hold">
+                                          <p:stCondLst>
+                                            <p:cond delay="0"/>
+                                          </p:stCondLst>
+                                        </p:cTn>
+                                        <p:tgtEl>
+                                          <p:spTgt spid="3">
+                                            <p:txEl>
+                                              <p:pRg st="3" end="3"/>
+                                            </p:txEl>
+                                          </p:spTgt>
+                                        </p:tgtEl>
+                                        <p:attrNameLst>
+                                          <p:attrName>style.visibility</p:attrName>
+                                        </p:attrNameLst>
+                                      </p:cBhvr>
+                                      <p:to>
+                                        <p:strVal val="visible"/>
+                                      </p:to>
+                                    </p:set>
+                                  </p:childTnLst>
+                                </p:cTn>
+                              </p:par>
+                            </p:childTnLst>
+                          </p:cTn>
+                        </p:par>
+                      </p:childTnLst>
+                    </p:cTn>
+                  </p:par>
+                </p:childTnLst>
+              </p:cTn>
+              <p:prevCondLst>
+                <p:cond evt="onPrev" delay="0">
+                  <p:tgtEl>
+                    <p:sldTgt/>
+                  </p:tgtEl>
+                </p:cond>
+              </p:prevCondLst>
+              <p:nextCondLst>
+                <p:cond evt="onNext" delay="0">
+                  <p:tgtEl>
+                    <p:sldTgt/>
+                  </p:tgtEl>
+                </p:cond>
+              </p:nextCondLst>
+            </p:seq>
+          </p:childTnLst>
+        </p:cTn>
+      </p:par>
+    </p:tnLst>
+    <p:bldLst>
+      <p:bldP spid="3" grpId="0" uiExpand="1" build="p"/>
+    </p:bldLst>
+  </p:timing>
+</p:sld>
+</file>
+
+<file path=ppt/slides/slide8.xml><?xml version="1.0" encoding="utf-8"?>
+<p:sld xmlns:a="http://schemas.openxmlformats.org/drawingml/2006/main" xmlns:r="http://schemas.openxmlformats.org/officeDocument/2006/relationships" xmlns:p="http://schemas.openxmlformats.org/presentationml/2006/main">
+  <p:cSld>
+    <p:spTree>
+      <p:nvGrpSpPr>
         <p:cNvPr id="1" name=""/>
         <p:cNvGrpSpPr/>
         <p:nvPr/>
@@ -8840,8 +10754,8 @@
         </p:nvSpPr>
         <p:spPr>
           <a:xfrm>
-            <a:off x="7666146" y="5503061"/>
-            <a:ext cx="3958071" cy="461665"/>
+            <a:off x="7613915" y="5503061"/>
+            <a:ext cx="3958071" cy="830997"/>
           </a:xfrm>
           <a:prstGeom prst="rect">
             <a:avLst/>
@@ -8854,6 +10768,7 @@
           </a:bodyPr>
           <a:lstStyle/>
           <a:p>
+            <a:pPr algn="ctr"/>
             <a:r>
               <a:rPr lang="en-US" sz="2400" b="1" dirty="0"/>
               <a:t>Yes</a:t>
@@ -8869,6 +10784,13 @@
             <a:r>
               <a:rPr lang="en-US" sz="2400" dirty="0"/>
               <a:t> the plan.</a:t>
+            </a:r>
+          </a:p>
+          <a:p>
+            <a:pPr algn="ctr"/>
+            <a:r>
+              <a:rPr lang="en-US" sz="2400" dirty="0"/>
+              <a:t>This nearly happened to me!</a:t>
             </a:r>
           </a:p>
         </p:txBody>
@@ -9034,6 +10956,123 @@
                                     <p:set>
                                       <p:cBhvr>
                                         <p:cTn id="6" dur="1" fill="hold">
+                                          <p:stCondLst>
+                                            <p:cond delay="0"/>
+                                          </p:stCondLst>
+                                        </p:cTn>
+                                        <p:tgtEl>
+                                          <p:spTgt spid="4"/>
+                                        </p:tgtEl>
+                                        <p:attrNameLst>
+                                          <p:attrName>style.visibility</p:attrName>
+                                        </p:attrNameLst>
+                                      </p:cBhvr>
+                                      <p:to>
+                                        <p:strVal val="visible"/>
+                                      </p:to>
+                                    </p:set>
+                                  </p:childTnLst>
+                                </p:cTn>
+                              </p:par>
+                            </p:childTnLst>
+                          </p:cTn>
+                        </p:par>
+                      </p:childTnLst>
+                    </p:cTn>
+                  </p:par>
+                  <p:par>
+                    <p:cTn id="7" fill="hold">
+                      <p:stCondLst>
+                        <p:cond delay="indefinite"/>
+                      </p:stCondLst>
+                      <p:childTnLst>
+                        <p:par>
+                          <p:cTn id="8" fill="hold">
+                            <p:stCondLst>
+                              <p:cond delay="0"/>
+                            </p:stCondLst>
+                            <p:childTnLst>
+                              <p:par>
+                                <p:cTn id="9" presetID="1" presetClass="entr" presetSubtype="0" fill="hold" grpId="0" nodeType="clickEffect">
+                                  <p:stCondLst>
+                                    <p:cond delay="0"/>
+                                  </p:stCondLst>
+                                  <p:childTnLst>
+                                    <p:set>
+                                      <p:cBhvr>
+                                        <p:cTn id="10" dur="1" fill="hold">
+                                          <p:stCondLst>
+                                            <p:cond delay="0"/>
+                                          </p:stCondLst>
+                                        </p:cTn>
+                                        <p:tgtEl>
+                                          <p:spTgt spid="13"/>
+                                        </p:tgtEl>
+                                        <p:attrNameLst>
+                                          <p:attrName>style.visibility</p:attrName>
+                                        </p:attrNameLst>
+                                      </p:cBhvr>
+                                      <p:to>
+                                        <p:strVal val="visible"/>
+                                      </p:to>
+                                    </p:set>
+                                  </p:childTnLst>
+                                </p:cTn>
+                              </p:par>
+                              <p:par>
+                                <p:cTn id="11" presetID="1" presetClass="entr" presetSubtype="0" fill="hold" nodeType="withEffect">
+                                  <p:stCondLst>
+                                    <p:cond delay="0"/>
+                                  </p:stCondLst>
+                                  <p:childTnLst>
+                                    <p:set>
+                                      <p:cBhvr>
+                                        <p:cTn id="12" dur="1" fill="hold">
+                                          <p:stCondLst>
+                                            <p:cond delay="0"/>
+                                          </p:stCondLst>
+                                        </p:cTn>
+                                        <p:tgtEl>
+                                          <p:spTgt spid="6"/>
+                                        </p:tgtEl>
+                                        <p:attrNameLst>
+                                          <p:attrName>style.visibility</p:attrName>
+                                        </p:attrNameLst>
+                                      </p:cBhvr>
+                                      <p:to>
+                                        <p:strVal val="visible"/>
+                                      </p:to>
+                                    </p:set>
+                                  </p:childTnLst>
+                                </p:cTn>
+                              </p:par>
+                            </p:childTnLst>
+                          </p:cTn>
+                        </p:par>
+                      </p:childTnLst>
+                    </p:cTn>
+                  </p:par>
+                  <p:par>
+                    <p:cTn id="13" fill="hold">
+                      <p:stCondLst>
+                        <p:cond delay="indefinite"/>
+                      </p:stCondLst>
+                      <p:childTnLst>
+                        <p:par>
+                          <p:cTn id="14" fill="hold">
+                            <p:stCondLst>
+                              <p:cond delay="0"/>
+                            </p:stCondLst>
+                            <p:childTnLst>
+                              <p:par>
+                                <p:cTn id="15" presetID="1" presetClass="entr" presetSubtype="0" fill="hold" grpId="0" nodeType="clickEffect">
+                                  <p:stCondLst>
+                                    <p:cond delay="0"/>
+                                  </p:stCondLst>
+                                  <p:childTnLst>
+                                    <p:set>
+                                      <p:cBhvr>
+                                        <p:cTn id="16" dur="1" fill="hold">
                                           <p:stCondLst>
                                             <p:cond delay="0"/>
                                           </p:stCondLst>
@@ -9080,92 +11119,11 @@
       </p:par>
     </p:tnLst>
     <p:bldLst>
+      <p:bldP spid="4" grpId="0"/>
+      <p:bldP spid="13" grpId="0" animBg="1"/>
       <p:bldP spid="16" grpId="0"/>
     </p:bldLst>
   </p:timing>
-</p:sld>
-</file>
-
-<file path=ppt/slides/slide8.xml><?xml version="1.0" encoding="utf-8"?>
-<p:sld xmlns:a="http://schemas.openxmlformats.org/drawingml/2006/main" xmlns:r="http://schemas.openxmlformats.org/officeDocument/2006/relationships" xmlns:p="http://schemas.openxmlformats.org/presentationml/2006/main">
-  <p:cSld>
-    <p:spTree>
-      <p:nvGrpSpPr>
-        <p:cNvPr id="1" name=""/>
-        <p:cNvGrpSpPr/>
-        <p:nvPr/>
-      </p:nvGrpSpPr>
-      <p:grpSpPr>
-        <a:xfrm>
-          <a:off x="0" y="0"/>
-          <a:ext cx="0" cy="0"/>
-          <a:chOff x="0" y="0"/>
-          <a:chExt cx="0" cy="0"/>
-        </a:xfrm>
-      </p:grpSpPr>
-      <p:sp>
-        <p:nvSpPr>
-          <p:cNvPr id="2" name="Title 1">
-            <a:extLst>
-              <a:ext uri="{FF2B5EF4-FFF2-40B4-BE49-F238E27FC236}">
-                <a16:creationId xmlns:a16="http://schemas.microsoft.com/office/drawing/2014/main" id="{CA529C70-5075-1F76-8241-B8ACE5C886BF}"/>
-              </a:ext>
-            </a:extLst>
-          </p:cNvPr>
-          <p:cNvSpPr>
-            <a:spLocks noGrp="1"/>
-          </p:cNvSpPr>
-          <p:nvPr>
-            <p:ph type="title"/>
-          </p:nvPr>
-        </p:nvSpPr>
-        <p:spPr/>
-        <p:txBody>
-          <a:bodyPr/>
-          <a:lstStyle/>
-          <a:p>
-            <a:r>
-              <a:rPr lang="en-US" dirty="0"/>
-              <a:t>Demo: Agent Mode in VS Code</a:t>
-            </a:r>
-          </a:p>
-        </p:txBody>
-      </p:sp>
-      <p:sp>
-        <p:nvSpPr>
-          <p:cNvPr id="4" name="Text Placeholder 3">
-            <a:extLst>
-              <a:ext uri="{FF2B5EF4-FFF2-40B4-BE49-F238E27FC236}">
-                <a16:creationId xmlns:a16="http://schemas.microsoft.com/office/drawing/2014/main" id="{E9179E14-4D92-FA86-4787-560898A8507B}"/>
-              </a:ext>
-            </a:extLst>
-          </p:cNvPr>
-          <p:cNvSpPr>
-            <a:spLocks noGrp="1"/>
-          </p:cNvSpPr>
-          <p:nvPr>
-            <p:ph type="body" idx="1"/>
-          </p:nvPr>
-        </p:nvSpPr>
-        <p:spPr/>
-        <p:txBody>
-          <a:bodyPr/>
-          <a:lstStyle/>
-          <a:p>
-            <a:endParaRPr lang="en-US" dirty="0"/>
-          </a:p>
-        </p:txBody>
-      </p:sp>
-    </p:spTree>
-    <p:extLst>
-      <p:ext uri="{BB962C8B-B14F-4D97-AF65-F5344CB8AC3E}">
-        <p14:creationId xmlns:p14="http://schemas.microsoft.com/office/powerpoint/2010/main" val="1970910195"/>
-      </p:ext>
-    </p:extLst>
-  </p:cSld>
-  <p:clrMapOvr>
-    <a:masterClrMapping/>
-  </p:clrMapOvr>
 </p:sld>
 </file>
 
@@ -9191,7 +11149,7 @@
           <p:cNvPr id="2" name="Title 1">
             <a:extLst>
               <a:ext uri="{FF2B5EF4-FFF2-40B4-BE49-F238E27FC236}">
-                <a16:creationId xmlns:a16="http://schemas.microsoft.com/office/drawing/2014/main" id="{64482C03-0A16-2A38-CCC6-37922FA0462F}"/>
+                <a16:creationId xmlns:a16="http://schemas.microsoft.com/office/drawing/2014/main" id="{CA529C70-5075-1F76-8241-B8ACE5C886BF}"/>
               </a:ext>
             </a:extLst>
           </p:cNvPr>
@@ -9209,17 +11167,17 @@
           <a:p>
             <a:r>
               <a:rPr lang="en-US" dirty="0"/>
-              <a:t>Does it matter what IDE you use?</a:t>
-            </a:r>
-          </a:p>
-        </p:txBody>
-      </p:sp>
-      <p:sp>
-        <p:nvSpPr>
-          <p:cNvPr id="3" name="Text Placeholder 2">
-            <a:extLst>
-              <a:ext uri="{FF2B5EF4-FFF2-40B4-BE49-F238E27FC236}">
-                <a16:creationId xmlns:a16="http://schemas.microsoft.com/office/drawing/2014/main" id="{DD268581-CFB5-B983-70DD-CC4D69B33B4D}"/>
+              <a:t>Demo: Agent Mode in Cursor</a:t>
+            </a:r>
+          </a:p>
+        </p:txBody>
+      </p:sp>
+      <p:sp>
+        <p:nvSpPr>
+          <p:cNvPr id="4" name="Text Placeholder 3">
+            <a:extLst>
+              <a:ext uri="{FF2B5EF4-FFF2-40B4-BE49-F238E27FC236}">
+                <a16:creationId xmlns:a16="http://schemas.microsoft.com/office/drawing/2014/main" id="{E9179E14-4D92-FA86-4787-560898A8507B}"/>
               </a:ext>
             </a:extLst>
           </p:cNvPr>
@@ -9235,18 +11193,14 @@
           <a:bodyPr/>
           <a:lstStyle/>
           <a:p>
-            <a:endParaRPr lang="en-US" dirty="0">
-              <a:solidFill>
-                <a:schemeClr val="tx1"/>
-              </a:solidFill>
-            </a:endParaRPr>
+            <a:endParaRPr lang="en-US" dirty="0"/>
           </a:p>
         </p:txBody>
       </p:sp>
     </p:spTree>
     <p:extLst>
       <p:ext uri="{BB962C8B-B14F-4D97-AF65-F5344CB8AC3E}">
-        <p14:creationId xmlns:p14="http://schemas.microsoft.com/office/powerpoint/2010/main" val="376381817"/>
+        <p14:creationId xmlns:p14="http://schemas.microsoft.com/office/powerpoint/2010/main" val="1970910195"/>
       </p:ext>
     </p:extLst>
   </p:cSld>
